--- a/Slides/Lesson 1.1 The Function Design Recipe.pptx
+++ b/Slides/Lesson 1.1 The Function Design Recipe.pptx
@@ -19352,8 +19352,12 @@
           </a:p>
           <a:p>
             <a:r>
+              <a:rPr lang="en-US" b="1" dirty="0"/>
+              <a:t>Program Review</a:t>
+            </a:r>
+            <a:r>
               <a:rPr lang="en-US" dirty="0"/>
-              <a:t>Program Review: now that you have a working function, how can it or its explanation be improved to make it clearer to a reader?</a:t>
+              <a:t>: now that you have a working function, how can it or its explanation be improved to make it clearer to a reader?</a:t>
             </a:r>
           </a:p>
         </p:txBody>

--- a/Slides/Lesson 1.1 The Function Design Recipe.pptx
+++ b/Slides/Lesson 1.1 The Function Design Recipe.pptx
@@ -44,41 +44,41 @@
   <p:notesSz cx="6858000" cy="9296400"/>
   <p:embeddedFontLst>
     <p:embeddedFont>
-      <p:font typeface="cmmi12" panose="020B0604020202020204"/>
+      <p:font typeface="CMSY10ORIG" panose="020B0604020202020204"/>
       <p:regular r:id="rId32"/>
     </p:embeddedFont>
     <p:embeddedFont>
-      <p:font typeface="Calibri" panose="020F0502020204030204" pitchFamily="34" charset="0"/>
+      <p:font typeface="cmmi12" panose="020B0604020202020204"/>
       <p:regular r:id="rId33"/>
-      <p:bold r:id="rId34"/>
-      <p:italic r:id="rId35"/>
-      <p:boldItalic r:id="rId36"/>
     </p:embeddedFont>
     <p:embeddedFont>
-      <p:font typeface="Arial Unicode MS" panose="020B0604020202020204" charset="-128"/>
-      <p:regular r:id="rId37"/>
+      <p:font typeface="CMMI10" panose="020B0604020202020204"/>
+      <p:regular r:id="rId34"/>
     </p:embeddedFont>
     <p:embeddedFont>
       <p:font typeface="Cambria Math" panose="02040503050406030204" pitchFamily="18" charset="0"/>
-      <p:regular r:id="rId38"/>
-    </p:embeddedFont>
-    <p:embeddedFont>
-      <p:font typeface="CMR10" panose="020B0604020202020204"/>
-      <p:regular r:id="rId39"/>
+      <p:regular r:id="rId35"/>
     </p:embeddedFont>
     <p:embeddedFont>
       <p:font typeface="Consolas" panose="020B0609020204030204" pitchFamily="49" charset="0"/>
+      <p:regular r:id="rId36"/>
+      <p:bold r:id="rId37"/>
+      <p:italic r:id="rId38"/>
+      <p:boldItalic r:id="rId39"/>
+    </p:embeddedFont>
+    <p:embeddedFont>
+      <p:font typeface="Calibri" panose="020F0502020204030204" pitchFamily="34" charset="0"/>
       <p:regular r:id="rId40"/>
       <p:bold r:id="rId41"/>
       <p:italic r:id="rId42"/>
       <p:boldItalic r:id="rId43"/>
     </p:embeddedFont>
     <p:embeddedFont>
-      <p:font typeface="CMMI10" panose="020B0604020202020204"/>
+      <p:font typeface="Arial Unicode MS" panose="020B0604020202020204" pitchFamily="34" charset="-128"/>
       <p:regular r:id="rId44"/>
     </p:embeddedFont>
     <p:embeddedFont>
-      <p:font typeface="CMSY10ORIG" panose="020B0604020202020204"/>
+      <p:font typeface="CMR10" panose="020B0604020202020204"/>
       <p:regular r:id="rId45"/>
     </p:embeddedFont>
   </p:embeddedFontLst>
@@ -4949,7 +4949,7 @@
             <a:fld id="{F428509D-A83E-4130-9123-C9B4F5E9EE37}" type="datetimeFigureOut">
               <a:rPr lang="en-US" smtClean="0"/>
               <a:pPr/>
-              <a:t>7/24/2017</a:t>
+              <a:t>8/11/2017</a:t>
             </a:fld>
             <a:endParaRPr lang="en-US"/>
           </a:p>
@@ -5116,7 +5116,7 @@
             <a:fld id="{ACC16E80-119B-43B5-8043-B652C91D44CD}" type="datetimeFigureOut">
               <a:rPr lang="en-US" smtClean="0"/>
               <a:pPr/>
-              <a:t>7/24/2017</a:t>
+              <a:t>8/11/2017</a:t>
             </a:fld>
             <a:endParaRPr lang="en-US"/>
           </a:p>
@@ -7058,7 +7058,7 @@
             <a:fld id="{995A3EAA-2ADF-4730-8F37-D322F0FCA6F7}" type="datetime1">
               <a:rPr lang="en-US" smtClean="0"/>
               <a:pPr/>
-              <a:t>7/24/2017</a:t>
+              <a:t>8/11/2017</a:t>
             </a:fld>
             <a:endParaRPr lang="en-US"/>
           </a:p>
@@ -7307,7 +7307,7 @@
             <a:fld id="{9A46249C-EA92-4608-8FCA-65260396BA27}" type="datetime1">
               <a:rPr lang="en-US" smtClean="0"/>
               <a:pPr/>
-              <a:t>7/24/2017</a:t>
+              <a:t>8/11/2017</a:t>
             </a:fld>
             <a:endParaRPr lang="en-US"/>
           </a:p>
@@ -7472,7 +7472,7 @@
             <a:fld id="{E98573EB-F81F-45A8-8502-B7F241F6310C}" type="datetime1">
               <a:rPr lang="en-US" smtClean="0"/>
               <a:pPr/>
-              <a:t>7/24/2017</a:t>
+              <a:t>8/11/2017</a:t>
             </a:fld>
             <a:endParaRPr lang="en-US"/>
           </a:p>
@@ -7647,7 +7647,7 @@
             <a:fld id="{D3B68F27-4D23-4B43-9126-090EEA2632D9}" type="datetime1">
               <a:rPr lang="en-US" smtClean="0"/>
               <a:pPr/>
-              <a:t>7/24/2017</a:t>
+              <a:t>8/11/2017</a:t>
             </a:fld>
             <a:endParaRPr lang="en-US"/>
           </a:p>
@@ -7883,7 +7883,7 @@
           <a:p>
             <a:fld id="{2F1F79F5-7BEC-496A-AFC7-876E38F64D71}" type="datetime1">
               <a:rPr lang="en-US" smtClean="0"/>
-              <a:t>7/24/2017</a:t>
+              <a:t>8/11/2017</a:t>
             </a:fld>
             <a:endParaRPr lang="en-US"/>
           </a:p>
@@ -8057,7 +8057,7 @@
           <a:p>
             <a:fld id="{E22ED4DA-448D-4BB1-B935-CC112220207B}" type="datetime1">
               <a:rPr lang="en-US" smtClean="0"/>
-              <a:t>7/24/2017</a:t>
+              <a:t>8/11/2017</a:t>
             </a:fld>
             <a:endParaRPr lang="en-US"/>
           </a:p>
@@ -8230,7 +8230,7 @@
           <a:p>
             <a:fld id="{E22ED4DA-448D-4BB1-B935-CC112220207B}" type="datetime1">
               <a:rPr lang="en-US" smtClean="0"/>
-              <a:t>7/24/2017</a:t>
+              <a:t>8/11/2017</a:t>
             </a:fld>
             <a:endParaRPr lang="en-US"/>
           </a:p>
@@ -8493,7 +8493,7 @@
           <a:p>
             <a:fld id="{FF5D65A6-AB94-4435-B0B7-3743215FA46C}" type="datetime1">
               <a:rPr lang="en-US" smtClean="0"/>
-              <a:t>7/24/2017</a:t>
+              <a:t>8/11/2017</a:t>
             </a:fld>
             <a:endParaRPr lang="en-US"/>
           </a:p>
@@ -8669,7 +8669,7 @@
           <a:p>
             <a:fld id="{FF5D65A6-AB94-4435-B0B7-3743215FA46C}" type="datetime1">
               <a:rPr lang="en-US" smtClean="0"/>
-              <a:t>7/24/2017</a:t>
+              <a:t>8/11/2017</a:t>
             </a:fld>
             <a:endParaRPr lang="en-US"/>
           </a:p>
@@ -8963,7 +8963,7 @@
           <a:p>
             <a:fld id="{7C193DC4-6EF0-48C9-B29C-616106A645E1}" type="datetime1">
               <a:rPr lang="en-US" smtClean="0"/>
-              <a:t>7/24/2017</a:t>
+              <a:t>8/11/2017</a:t>
             </a:fld>
             <a:endParaRPr lang="en-US"/>
           </a:p>
@@ -9248,7 +9248,7 @@
           <a:p>
             <a:fld id="{5D1846AD-9252-4647-9435-4C2AC365653A}" type="datetime1">
               <a:rPr lang="en-US" smtClean="0"/>
-              <a:t>7/24/2017</a:t>
+              <a:t>8/11/2017</a:t>
             </a:fld>
             <a:endParaRPr lang="en-US"/>
           </a:p>
@@ -9423,7 +9423,7 @@
             <a:fld id="{AF79D0BF-EDA9-4C0D-B5C1-D01FE3C9392D}" type="datetime1">
               <a:rPr lang="en-US" smtClean="0"/>
               <a:pPr/>
-              <a:t>7/24/2017</a:t>
+              <a:t>8/11/2017</a:t>
             </a:fld>
             <a:endParaRPr lang="en-US"/>
           </a:p>
@@ -9718,7 +9718,7 @@
           <a:p>
             <a:fld id="{5D1846AD-9252-4647-9435-4C2AC365653A}" type="datetime1">
               <a:rPr lang="en-US" smtClean="0"/>
-              <a:t>7/24/2017</a:t>
+              <a:t>8/11/2017</a:t>
             </a:fld>
             <a:endParaRPr lang="en-US"/>
           </a:p>
@@ -10137,7 +10137,7 @@
           <a:p>
             <a:fld id="{CE56DC10-3561-4063-A6AF-C1CC7A41040A}" type="datetime1">
               <a:rPr lang="en-US" smtClean="0"/>
-              <a:t>7/24/2017</a:t>
+              <a:t>8/11/2017</a:t>
             </a:fld>
             <a:endParaRPr lang="en-US"/>
           </a:p>
@@ -10254,7 +10254,7 @@
           <a:p>
             <a:fld id="{2F7B77F5-1464-4F6B-92A8-64FC8A508293}" type="datetime1">
               <a:rPr lang="en-US" smtClean="0"/>
-              <a:t>7/24/2017</a:t>
+              <a:t>8/11/2017</a:t>
             </a:fld>
             <a:endParaRPr lang="en-US"/>
           </a:p>
@@ -10349,7 +10349,7 @@
           <a:p>
             <a:fld id="{0A05703A-7669-4FEA-9056-25299B4D29D4}" type="datetime1">
               <a:rPr lang="en-US" smtClean="0"/>
-              <a:t>7/24/2017</a:t>
+              <a:t>8/11/2017</a:t>
             </a:fld>
             <a:endParaRPr lang="en-US"/>
           </a:p>
@@ -10624,7 +10624,7 @@
           <a:p>
             <a:fld id="{6E5077B5-BB57-49DB-88CA-226A139E5C01}" type="datetime1">
               <a:rPr lang="en-US" smtClean="0"/>
-              <a:t>7/24/2017</a:t>
+              <a:t>8/11/2017</a:t>
             </a:fld>
             <a:endParaRPr lang="en-US"/>
           </a:p>
@@ -10876,7 +10876,7 @@
           <a:p>
             <a:fld id="{C48D9447-CBD6-49A1-89FD-8512A8CF8999}" type="datetime1">
               <a:rPr lang="en-US" smtClean="0"/>
-              <a:t>7/24/2017</a:t>
+              <a:t>8/11/2017</a:t>
             </a:fld>
             <a:endParaRPr lang="en-US"/>
           </a:p>
@@ -11044,7 +11044,7 @@
           <a:p>
             <a:fld id="{A3639A2A-823D-48B7-9ACE-7FAF42870BA9}" type="datetime1">
               <a:rPr lang="en-US" smtClean="0"/>
-              <a:t>7/24/2017</a:t>
+              <a:t>8/11/2017</a:t>
             </a:fld>
             <a:endParaRPr lang="en-US"/>
           </a:p>
@@ -11222,7 +11222,7 @@
           <a:p>
             <a:fld id="{ED1B6996-82E9-463C-972C-7B56056E426C}" type="datetime1">
               <a:rPr lang="en-US" smtClean="0"/>
-              <a:t>7/24/2017</a:t>
+              <a:t>8/11/2017</a:t>
             </a:fld>
             <a:endParaRPr lang="en-US"/>
           </a:p>
@@ -11405,7 +11405,7 @@
             <a:fld id="{AF79D0BF-EDA9-4C0D-B5C1-D01FE3C9392D}" type="datetime1">
               <a:rPr lang="en-US" smtClean="0"/>
               <a:pPr/>
-              <a:t>7/24/2017</a:t>
+              <a:t>8/11/2017</a:t>
             </a:fld>
             <a:endParaRPr lang="en-US"/>
           </a:p>
@@ -11652,7 +11652,7 @@
             <a:fld id="{D69015D0-49B0-4059-80BB-AF092C6CC282}" type="datetime1">
               <a:rPr lang="en-US" smtClean="0"/>
               <a:pPr/>
-              <a:t>7/24/2017</a:t>
+              <a:t>8/11/2017</a:t>
             </a:fld>
             <a:endParaRPr lang="en-US"/>
           </a:p>
@@ -11934,7 +11934,7 @@
             <a:fld id="{6CFAE174-28EF-4C23-BFDE-B69E139D8EE0}" type="datetime1">
               <a:rPr lang="en-US" smtClean="0"/>
               <a:pPr/>
-              <a:t>7/24/2017</a:t>
+              <a:t>8/11/2017</a:t>
             </a:fld>
             <a:endParaRPr lang="en-US"/>
           </a:p>
@@ -12350,7 +12350,7 @@
             <a:fld id="{3C4735FC-F3F4-4930-AD2E-C703D7636E65}" type="datetime1">
               <a:rPr lang="en-US" smtClean="0"/>
               <a:pPr/>
-              <a:t>7/24/2017</a:t>
+              <a:t>8/11/2017</a:t>
             </a:fld>
             <a:endParaRPr lang="en-US"/>
           </a:p>
@@ -12464,7 +12464,7 @@
             <a:fld id="{37087D82-BB00-4296-AA4E-C167745A82DE}" type="datetime1">
               <a:rPr lang="en-US" smtClean="0"/>
               <a:pPr/>
-              <a:t>7/24/2017</a:t>
+              <a:t>8/11/2017</a:t>
             </a:fld>
             <a:endParaRPr lang="en-US"/>
           </a:p>
@@ -12556,7 +12556,7 @@
             <a:fld id="{E416393F-B669-482B-BFD6-501DDE1069A2}" type="datetime1">
               <a:rPr lang="en-US" smtClean="0"/>
               <a:pPr/>
-              <a:t>7/24/2017</a:t>
+              <a:t>8/11/2017</a:t>
             </a:fld>
             <a:endParaRPr lang="en-US"/>
           </a:p>
@@ -12828,7 +12828,7 @@
             <a:fld id="{8FFF435E-64AB-44BA-AD31-EDF4E3683DDC}" type="datetime1">
               <a:rPr lang="en-US" smtClean="0"/>
               <a:pPr/>
-              <a:t>7/24/2017</a:t>
+              <a:t>8/11/2017</a:t>
             </a:fld>
             <a:endParaRPr lang="en-US"/>
           </a:p>
@@ -13036,7 +13036,7 @@
             <a:fld id="{9FD4D3D6-E918-4CCA-AF93-9744A928CB26}" type="datetime1">
               <a:rPr lang="en-US" smtClean="0"/>
               <a:pPr/>
-              <a:t>7/24/2017</a:t>
+              <a:t>8/11/2017</a:t>
             </a:fld>
             <a:endParaRPr lang="en-US"/>
           </a:p>
@@ -13554,7 +13554,7 @@
           <a:p>
             <a:fld id="{02B3F677-983B-48DB-ADFD-63FE6CBC7FB2}" type="datetime1">
               <a:rPr lang="en-US" smtClean="0"/>
-              <a:t>7/24/2017</a:t>
+              <a:t>8/11/2017</a:t>
             </a:fld>
             <a:endParaRPr lang="en-US"/>
           </a:p>
@@ -15810,7 +15810,7 @@
             </a:pPr>
             <a:r>
               <a:rPr lang="en-US" dirty="0"/>
-              <a:t>Examples (if needed so reader will understand)</a:t>
+              <a:t>Examples (if needed so reader will understand).</a:t>
             </a:r>
           </a:p>
           <a:p>
@@ -16228,13 +16228,17 @@
           <a:p>
             <a:r>
               <a:rPr lang="en-US" sz="2400" dirty="0"/>
-              <a:t>;; RETURNS: The mean temperature on the surface</a:t>
-            </a:r>
-          </a:p>
-          <a:p>
+              <a:t>;; RETURNS: The mean temperature on the </a:t>
+            </a:r>
+          </a:p>
+          <a:p>
+            <a:r>
+              <a:rPr lang="en-US" sz="2400"/>
+              <a:t>;;   surface </a:t>
+            </a:r>
             <a:r>
               <a:rPr lang="en-US" sz="2400" dirty="0"/>
-              <a:t>;;   of Mars, in Celsius</a:t>
+              <a:t>of Mars, in Celsius</a:t>
             </a:r>
           </a:p>
         </p:txBody>
@@ -19607,7 +19611,6 @@
               <a:rPr lang="en-US" dirty="0"/>
               <a:t>    "212 Fahrenheit should be 100 Celsius"))</a:t>
             </a:r>
-            <a:endParaRPr lang="en-US" dirty="0"/>
           </a:p>
         </p:txBody>
       </p:sp>
@@ -20621,7 +20624,7 @@
             </a:r>
             <a:r>
               <a:rPr lang="en-US" dirty="0"/>
-              <a:t> that information will be represented as data</a:t>
+              <a:t> that information will be represented as data.</a:t>
             </a:r>
           </a:p>
           <a:p>
@@ -20643,7 +20646,7 @@
             </a:r>
             <a:r>
               <a:rPr lang="en-US" dirty="0"/>
-              <a:t> the data as information</a:t>
+              <a:t> the data as information.</a:t>
             </a:r>
           </a:p>
         </p:txBody>

--- a/Slides/Lesson 1.1 The Function Design Recipe.pptx
+++ b/Slides/Lesson 1.1 The Function Design Recipe.pptx
@@ -44,20 +44,11 @@
   <p:notesSz cx="6858000" cy="9296400"/>
   <p:embeddedFontLst>
     <p:embeddedFont>
-      <p:font typeface="CMSY10ORIG" panose="020B0604020202020204"/>
+      <p:font typeface="Calibri" panose="020F0502020204030204" pitchFamily="34" charset="0"/>
       <p:regular r:id="rId32"/>
-    </p:embeddedFont>
-    <p:embeddedFont>
-      <p:font typeface="cmmi12" panose="020B0604020202020204"/>
-      <p:regular r:id="rId33"/>
-    </p:embeddedFont>
-    <p:embeddedFont>
-      <p:font typeface="CMMI10" panose="020B0604020202020204"/>
-      <p:regular r:id="rId34"/>
-    </p:embeddedFont>
-    <p:embeddedFont>
-      <p:font typeface="Cambria Math" panose="02040503050406030204" pitchFamily="18" charset="0"/>
-      <p:regular r:id="rId35"/>
+      <p:bold r:id="rId33"/>
+      <p:italic r:id="rId34"/>
+      <p:boldItalic r:id="rId35"/>
     </p:embeddedFont>
     <p:embeddedFont>
       <p:font typeface="Consolas" panose="020B0609020204030204" pitchFamily="49" charset="0"/>
@@ -67,18 +58,27 @@
       <p:boldItalic r:id="rId39"/>
     </p:embeddedFont>
     <p:embeddedFont>
-      <p:font typeface="Calibri" panose="020F0502020204030204" pitchFamily="34" charset="0"/>
+      <p:font typeface="CMMI10" panose="020B0604020202020204"/>
       <p:regular r:id="rId40"/>
-      <p:bold r:id="rId41"/>
-      <p:italic r:id="rId42"/>
-      <p:boldItalic r:id="rId43"/>
     </p:embeddedFont>
     <p:embeddedFont>
-      <p:font typeface="Arial Unicode MS" panose="020B0604020202020204" pitchFamily="34" charset="-128"/>
+      <p:font typeface="Cambria Math" panose="02040503050406030204" pitchFamily="18" charset="0"/>
+      <p:regular r:id="rId41"/>
+    </p:embeddedFont>
+    <p:embeddedFont>
+      <p:font typeface="Arial Unicode MS" panose="020B0604020202020204" charset="-128"/>
+      <p:regular r:id="rId42"/>
+    </p:embeddedFont>
+    <p:embeddedFont>
+      <p:font typeface="cmmi12" panose="020B0604020202020204"/>
+      <p:regular r:id="rId43"/>
+    </p:embeddedFont>
+    <p:embeddedFont>
+      <p:font typeface="CMR10" panose="020B0604020202020204"/>
       <p:regular r:id="rId44"/>
     </p:embeddedFont>
     <p:embeddedFont>
-      <p:font typeface="CMR10" panose="020B0604020202020204"/>
+      <p:font typeface="CMSY10ORIG" panose="020B0604020202020204"/>
       <p:regular r:id="rId45"/>
     </p:embeddedFont>
   </p:embeddedFontLst>
@@ -1518,6 +1518,42 @@
         </a:p>
       </dgm:t>
     </dgm:pt>
+    <dgm:pt modelId="{2F5428A6-4B7D-4C0E-9CAB-79528BD25A97}">
+      <dgm:prSet phldrT="[Text]"/>
+      <dgm:spPr/>
+      <dgm:t>
+        <a:bodyPr/>
+        <a:lstStyle/>
+        <a:p>
+          <a:r>
+            <a:rPr lang="en-US" dirty="0"/>
+            <a:t>Computing with Higher-Order Functions</a:t>
+          </a:r>
+        </a:p>
+      </dgm:t>
+    </dgm:pt>
+    <dgm:pt modelId="{5FEB1B6C-FFE0-497B-AC09-97C2A4F7BDF4}" type="parTrans" cxnId="{89929C80-2DC0-4D55-A509-D03B65DF1DA5}">
+      <dgm:prSet/>
+      <dgm:spPr/>
+      <dgm:t>
+        <a:bodyPr/>
+        <a:lstStyle/>
+        <a:p>
+          <a:endParaRPr lang="en-US"/>
+        </a:p>
+      </dgm:t>
+    </dgm:pt>
+    <dgm:pt modelId="{F7A995F7-0D98-4650-B482-7B23AA209241}" type="sibTrans" cxnId="{89929C80-2DC0-4D55-A509-D03B65DF1DA5}">
+      <dgm:prSet/>
+      <dgm:spPr/>
+      <dgm:t>
+        <a:bodyPr/>
+        <a:lstStyle/>
+        <a:p>
+          <a:endParaRPr lang="en-US"/>
+        </a:p>
+      </dgm:t>
+    </dgm:pt>
     <dgm:pt modelId="{5EAC0F1C-8135-499C-A050-8951C4D4D68B}" type="pres">
       <dgm:prSet presAssocID="{D4ADF4FB-6626-4BAA-8170-1AB86830E7EB}" presName="diagram" presStyleCnt="0">
         <dgm:presLayoutVars>
@@ -1551,11 +1587,11 @@
       <dgm:spPr/>
     </dgm:pt>
     <dgm:pt modelId="{360B229B-0F55-45E5-A55A-DDDBDBD1C921}" type="pres">
-      <dgm:prSet presAssocID="{9E647244-45B2-496C-B687-01576FEABEC4}" presName="Name13" presStyleLbl="parChTrans1D2" presStyleIdx="0" presStyleCnt="11"/>
+      <dgm:prSet presAssocID="{9E647244-45B2-496C-B687-01576FEABEC4}" presName="Name13" presStyleLbl="parChTrans1D2" presStyleIdx="0" presStyleCnt="12"/>
       <dgm:spPr/>
     </dgm:pt>
     <dgm:pt modelId="{7E3D7089-292B-46E8-B4F0-ADC3733C52BD}" type="pres">
-      <dgm:prSet presAssocID="{DDB8B436-9528-434E-BD0F-6EB4D2ACB929}" presName="childText" presStyleLbl="bgAcc1" presStyleIdx="0" presStyleCnt="11">
+      <dgm:prSet presAssocID="{DDB8B436-9528-434E-BD0F-6EB4D2ACB929}" presName="childText" presStyleLbl="bgAcc1" presStyleIdx="0" presStyleCnt="12">
         <dgm:presLayoutVars>
           <dgm:bulletEnabled val="1"/>
         </dgm:presLayoutVars>
@@ -1563,11 +1599,11 @@
       <dgm:spPr/>
     </dgm:pt>
     <dgm:pt modelId="{BC1B1EA4-129C-44F6-935B-BA646A7A2AA3}" type="pres">
-      <dgm:prSet presAssocID="{03056A9D-BCBF-4181-B8D6-7E4ECCBD4D9E}" presName="Name13" presStyleLbl="parChTrans1D2" presStyleIdx="1" presStyleCnt="11"/>
+      <dgm:prSet presAssocID="{03056A9D-BCBF-4181-B8D6-7E4ECCBD4D9E}" presName="Name13" presStyleLbl="parChTrans1D2" presStyleIdx="1" presStyleCnt="12"/>
       <dgm:spPr/>
     </dgm:pt>
     <dgm:pt modelId="{CF0B1CD2-0FC3-49A4-A520-B01A6C3CCB95}" type="pres">
-      <dgm:prSet presAssocID="{F221EA58-7488-4550-B7A5-965344CA7EAE}" presName="childText" presStyleLbl="bgAcc1" presStyleIdx="1" presStyleCnt="11">
+      <dgm:prSet presAssocID="{F221EA58-7488-4550-B7A5-965344CA7EAE}" presName="childText" presStyleLbl="bgAcc1" presStyleIdx="1" presStyleCnt="12">
         <dgm:presLayoutVars>
           <dgm:bulletEnabled val="1"/>
         </dgm:presLayoutVars>
@@ -1575,11 +1611,11 @@
       <dgm:spPr/>
     </dgm:pt>
     <dgm:pt modelId="{F5AE7053-0C33-481C-8BFB-D2DAFB4C4294}" type="pres">
-      <dgm:prSet presAssocID="{08AACE21-5FAD-4460-B120-67387C8F0F32}" presName="Name13" presStyleLbl="parChTrans1D2" presStyleIdx="2" presStyleCnt="11"/>
+      <dgm:prSet presAssocID="{08AACE21-5FAD-4460-B120-67387C8F0F32}" presName="Name13" presStyleLbl="parChTrans1D2" presStyleIdx="2" presStyleCnt="12"/>
       <dgm:spPr/>
     </dgm:pt>
     <dgm:pt modelId="{C5878689-67F2-4E3D-8C9B-392F50C32024}" type="pres">
-      <dgm:prSet presAssocID="{B1CEE35E-20B6-4A0B-B1E8-D4F40E3162E1}" presName="childText" presStyleLbl="bgAcc1" presStyleIdx="2" presStyleCnt="11">
+      <dgm:prSet presAssocID="{B1CEE35E-20B6-4A0B-B1E8-D4F40E3162E1}" presName="childText" presStyleLbl="bgAcc1" presStyleIdx="2" presStyleCnt="12">
         <dgm:presLayoutVars>
           <dgm:bulletEnabled val="1"/>
         </dgm:presLayoutVars>
@@ -1607,11 +1643,11 @@
       <dgm:spPr/>
     </dgm:pt>
     <dgm:pt modelId="{2564A6E5-875B-4BC6-B983-AA12C064A019}" type="pres">
-      <dgm:prSet presAssocID="{1EC30C20-D36E-4265-85EE-C210CE02F892}" presName="Name13" presStyleLbl="parChTrans1D2" presStyleIdx="3" presStyleCnt="11"/>
+      <dgm:prSet presAssocID="{1EC30C20-D36E-4265-85EE-C210CE02F892}" presName="Name13" presStyleLbl="parChTrans1D2" presStyleIdx="3" presStyleCnt="12"/>
       <dgm:spPr/>
     </dgm:pt>
     <dgm:pt modelId="{3B0CF9DF-CC55-47FF-BECE-903E70F9D2DE}" type="pres">
-      <dgm:prSet presAssocID="{1CBBDDB5-026A-42BF-8805-ACAC57AA5DC3}" presName="childText" presStyleLbl="bgAcc1" presStyleIdx="3" presStyleCnt="11">
+      <dgm:prSet presAssocID="{1CBBDDB5-026A-42BF-8805-ACAC57AA5DC3}" presName="childText" presStyleLbl="bgAcc1" presStyleIdx="3" presStyleCnt="12">
         <dgm:presLayoutVars>
           <dgm:bulletEnabled val="1"/>
         </dgm:presLayoutVars>
@@ -1619,11 +1655,11 @@
       <dgm:spPr/>
     </dgm:pt>
     <dgm:pt modelId="{7DFA9A08-1F84-4CF2-9E63-7F6E7C219F76}" type="pres">
-      <dgm:prSet presAssocID="{D39C6496-6307-4FC4-9D55-DB6DA94D051F}" presName="Name13" presStyleLbl="parChTrans1D2" presStyleIdx="4" presStyleCnt="11"/>
+      <dgm:prSet presAssocID="{D39C6496-6307-4FC4-9D55-DB6DA94D051F}" presName="Name13" presStyleLbl="parChTrans1D2" presStyleIdx="4" presStyleCnt="12"/>
       <dgm:spPr/>
     </dgm:pt>
     <dgm:pt modelId="{9C3E65C4-9266-43CB-B08F-79811ABF047A}" type="pres">
-      <dgm:prSet presAssocID="{A7945ECA-2D01-4C03-9AED-9E3EEAAF0F2C}" presName="childText" presStyleLbl="bgAcc1" presStyleIdx="4" presStyleCnt="11">
+      <dgm:prSet presAssocID="{A7945ECA-2D01-4C03-9AED-9E3EEAAF0F2C}" presName="childText" presStyleLbl="bgAcc1" presStyleIdx="4" presStyleCnt="12">
         <dgm:presLayoutVars>
           <dgm:bulletEnabled val="1"/>
         </dgm:presLayoutVars>
@@ -1631,11 +1667,23 @@
       <dgm:spPr/>
     </dgm:pt>
     <dgm:pt modelId="{16CFAB30-3E6A-44D7-A45D-E3066E142053}" type="pres">
-      <dgm:prSet presAssocID="{FD74BA91-6D78-44B3-BF01-4D49723F4718}" presName="Name13" presStyleLbl="parChTrans1D2" presStyleIdx="5" presStyleCnt="11"/>
+      <dgm:prSet presAssocID="{FD74BA91-6D78-44B3-BF01-4D49723F4718}" presName="Name13" presStyleLbl="parChTrans1D2" presStyleIdx="5" presStyleCnt="12"/>
       <dgm:spPr/>
     </dgm:pt>
     <dgm:pt modelId="{5F9726AA-E8AD-4C5C-A0CA-2350C4F8CAFA}" type="pres">
-      <dgm:prSet presAssocID="{B0B0FACC-C24A-4552-82AB-C8FE8246DEF8}" presName="childText" presStyleLbl="bgAcc1" presStyleIdx="5" presStyleCnt="11">
+      <dgm:prSet presAssocID="{B0B0FACC-C24A-4552-82AB-C8FE8246DEF8}" presName="childText" presStyleLbl="bgAcc1" presStyleIdx="5" presStyleCnt="12">
+        <dgm:presLayoutVars>
+          <dgm:bulletEnabled val="1"/>
+        </dgm:presLayoutVars>
+      </dgm:prSet>
+      <dgm:spPr/>
+    </dgm:pt>
+    <dgm:pt modelId="{98F5961E-009F-4B0E-B7E3-D6C73872AA97}" type="pres">
+      <dgm:prSet presAssocID="{5FEB1B6C-FFE0-497B-AC09-97C2A4F7BDF4}" presName="Name13" presStyleLbl="parChTrans1D2" presStyleIdx="6" presStyleCnt="12"/>
+      <dgm:spPr/>
+    </dgm:pt>
+    <dgm:pt modelId="{2751A39C-B58F-4C1E-93BD-4108C32E1751}" type="pres">
+      <dgm:prSet presAssocID="{2F5428A6-4B7D-4C0E-9CAB-79528BD25A97}" presName="childText" presStyleLbl="bgAcc1" presStyleIdx="6" presStyleCnt="12">
         <dgm:presLayoutVars>
           <dgm:bulletEnabled val="1"/>
         </dgm:presLayoutVars>
@@ -1643,11 +1691,11 @@
       <dgm:spPr/>
     </dgm:pt>
     <dgm:pt modelId="{0ECF28DA-9925-4B5B-97B1-BDA459502114}" type="pres">
-      <dgm:prSet presAssocID="{FA010E1E-46BF-40DE-B386-14C19C329E38}" presName="Name13" presStyleLbl="parChTrans1D2" presStyleIdx="6" presStyleCnt="11"/>
+      <dgm:prSet presAssocID="{FA010E1E-46BF-40DE-B386-14C19C329E38}" presName="Name13" presStyleLbl="parChTrans1D2" presStyleIdx="7" presStyleCnt="12"/>
       <dgm:spPr/>
     </dgm:pt>
     <dgm:pt modelId="{5A2BB121-DDEE-46A8-AC09-18496F773E62}" type="pres">
-      <dgm:prSet presAssocID="{3C02419B-DA6A-4FDB-972F-4F8DC3AD08E3}" presName="childText" presStyleLbl="bgAcc1" presStyleIdx="6" presStyleCnt="11">
+      <dgm:prSet presAssocID="{3C02419B-DA6A-4FDB-972F-4F8DC3AD08E3}" presName="childText" presStyleLbl="bgAcc1" presStyleIdx="7" presStyleCnt="12" custLinFactNeighborX="5500" custLinFactNeighborY="6167">
         <dgm:presLayoutVars>
           <dgm:bulletEnabled val="1"/>
         </dgm:presLayoutVars>
@@ -1675,11 +1723,11 @@
       <dgm:spPr/>
     </dgm:pt>
     <dgm:pt modelId="{278D3975-9588-4A95-85BD-D062BB0AE1A4}" type="pres">
-      <dgm:prSet presAssocID="{109F41A6-1D40-4F81-903A-8B0CB1E442DB}" presName="Name13" presStyleLbl="parChTrans1D2" presStyleIdx="7" presStyleCnt="11"/>
+      <dgm:prSet presAssocID="{109F41A6-1D40-4F81-903A-8B0CB1E442DB}" presName="Name13" presStyleLbl="parChTrans1D2" presStyleIdx="8" presStyleCnt="12"/>
       <dgm:spPr/>
     </dgm:pt>
     <dgm:pt modelId="{EDB6085A-8F2B-4B84-887D-9DD4BEC6E4E1}" type="pres">
-      <dgm:prSet presAssocID="{C217CF6C-69F6-4F1F-BFEF-F03F51825445}" presName="childText" presStyleLbl="bgAcc1" presStyleIdx="7" presStyleCnt="11">
+      <dgm:prSet presAssocID="{C217CF6C-69F6-4F1F-BFEF-F03F51825445}" presName="childText" presStyleLbl="bgAcc1" presStyleIdx="8" presStyleCnt="12">
         <dgm:presLayoutVars>
           <dgm:bulletEnabled val="1"/>
         </dgm:presLayoutVars>
@@ -1687,11 +1735,11 @@
       <dgm:spPr/>
     </dgm:pt>
     <dgm:pt modelId="{FF100697-267A-4BC5-8DA9-B1F7321DFE84}" type="pres">
-      <dgm:prSet presAssocID="{4B64BF35-F3DD-46FA-A74B-C8F1391BB234}" presName="Name13" presStyleLbl="parChTrans1D2" presStyleIdx="8" presStyleCnt="11"/>
+      <dgm:prSet presAssocID="{4B64BF35-F3DD-46FA-A74B-C8F1391BB234}" presName="Name13" presStyleLbl="parChTrans1D2" presStyleIdx="9" presStyleCnt="12"/>
       <dgm:spPr/>
     </dgm:pt>
     <dgm:pt modelId="{291D5A65-BA4D-4BF4-8D0F-050F9D81FBB6}" type="pres">
-      <dgm:prSet presAssocID="{D6553791-8532-4952-AC46-957A80E6F455}" presName="childText" presStyleLbl="bgAcc1" presStyleIdx="8" presStyleCnt="11">
+      <dgm:prSet presAssocID="{D6553791-8532-4952-AC46-957A80E6F455}" presName="childText" presStyleLbl="bgAcc1" presStyleIdx="9" presStyleCnt="12">
         <dgm:presLayoutVars>
           <dgm:bulletEnabled val="1"/>
         </dgm:presLayoutVars>
@@ -1699,11 +1747,11 @@
       <dgm:spPr/>
     </dgm:pt>
     <dgm:pt modelId="{6B27DFF3-3021-4E99-BF73-829A6255425D}" type="pres">
-      <dgm:prSet presAssocID="{E8807DF0-38BE-4236-AFC9-03DFA18007AA}" presName="Name13" presStyleLbl="parChTrans1D2" presStyleIdx="9" presStyleCnt="11"/>
+      <dgm:prSet presAssocID="{E8807DF0-38BE-4236-AFC9-03DFA18007AA}" presName="Name13" presStyleLbl="parChTrans1D2" presStyleIdx="10" presStyleCnt="12"/>
       <dgm:spPr/>
     </dgm:pt>
     <dgm:pt modelId="{88C17E61-7A2A-46D7-AC95-5E562286A33E}" type="pres">
-      <dgm:prSet presAssocID="{23FBFCAF-D268-4C4D-8359-092F33A19BD5}" presName="childText" presStyleLbl="bgAcc1" presStyleIdx="9" presStyleCnt="11">
+      <dgm:prSet presAssocID="{23FBFCAF-D268-4C4D-8359-092F33A19BD5}" presName="childText" presStyleLbl="bgAcc1" presStyleIdx="10" presStyleCnt="12">
         <dgm:presLayoutVars>
           <dgm:bulletEnabled val="1"/>
         </dgm:presLayoutVars>
@@ -1711,11 +1759,11 @@
       <dgm:spPr/>
     </dgm:pt>
     <dgm:pt modelId="{E8A2D34D-9B35-4804-BD08-DC4453907292}" type="pres">
-      <dgm:prSet presAssocID="{E61F56D0-9360-46BF-8251-561CA9F726E8}" presName="Name13" presStyleLbl="parChTrans1D2" presStyleIdx="10" presStyleCnt="11"/>
+      <dgm:prSet presAssocID="{E61F56D0-9360-46BF-8251-561CA9F726E8}" presName="Name13" presStyleLbl="parChTrans1D2" presStyleIdx="11" presStyleCnt="12"/>
       <dgm:spPr/>
     </dgm:pt>
     <dgm:pt modelId="{1B267FF2-7D4F-4C45-AA7C-4EA638A9F1C5}" type="pres">
-      <dgm:prSet presAssocID="{BE7D634C-5542-4AE8-B044-37802A6A19BF}" presName="childText" presStyleLbl="bgAcc1" presStyleIdx="10" presStyleCnt="11">
+      <dgm:prSet presAssocID="{BE7D634C-5542-4AE8-B044-37802A6A19BF}" presName="childText" presStyleLbl="bgAcc1" presStyleIdx="11" presStyleCnt="12">
         <dgm:presLayoutVars>
           <dgm:bulletEnabled val="1"/>
         </dgm:presLayoutVars>
@@ -1725,6 +1773,7 @@
   </dgm:ptLst>
   <dgm:cxnLst>
     <dgm:cxn modelId="{F8F3D917-317B-4A80-B606-277A7F6170C2}" srcId="{9AAB3432-E203-4861-9A1F-5A18DE81A0E0}" destId="{F221EA58-7488-4550-B7A5-965344CA7EAE}" srcOrd="1" destOrd="0" parTransId="{03056A9D-BCBF-4181-B8D6-7E4ECCBD4D9E}" sibTransId="{50012D0E-39A9-4FB4-832D-C4D74BE598A6}"/>
+    <dgm:cxn modelId="{DA3B2C23-3A2C-4ED9-9222-0DAC46EDEBD6}" type="presOf" srcId="{2F5428A6-4B7D-4C0E-9CAB-79528BD25A97}" destId="{2751A39C-B58F-4C1E-93BD-4108C32E1751}" srcOrd="0" destOrd="0" presId="urn:microsoft.com/office/officeart/2005/8/layout/hierarchy3"/>
     <dgm:cxn modelId="{B7B8BE25-1D3D-41C1-B2BB-252CA3FFFABF}" srcId="{5D17C516-2319-40FE-8748-E184C6D71444}" destId="{C217CF6C-69F6-4F1F-BFEF-F03F51825445}" srcOrd="0" destOrd="0" parTransId="{109F41A6-1D40-4F81-903A-8B0CB1E442DB}" sibTransId="{727D2815-3763-49AC-8FA5-B78975C6E255}"/>
     <dgm:cxn modelId="{918F4E28-6C57-4EFF-80BA-F57AC436CDC9}" type="presOf" srcId="{08AACE21-5FAD-4460-B120-67387C8F0F32}" destId="{F5AE7053-0C33-481C-8BFB-D2DAFB4C4294}" srcOrd="0" destOrd="0" presId="urn:microsoft.com/office/officeart/2005/8/layout/hierarchy3"/>
     <dgm:cxn modelId="{C679C12F-0D37-4771-853C-9B6A72F3F8AB}" srcId="{5D17C516-2319-40FE-8748-E184C6D71444}" destId="{23FBFCAF-D268-4C4D-8359-092F33A19BD5}" srcOrd="2" destOrd="0" parTransId="{E8807DF0-38BE-4236-AFC9-03DFA18007AA}" sibTransId="{49424D88-7251-4F7F-9D61-B03F29AB2536}"/>
@@ -1732,6 +1781,7 @@
     <dgm:cxn modelId="{7156E032-39F7-4DCF-A095-E4906170ABD1}" type="presOf" srcId="{C217CF6C-69F6-4F1F-BFEF-F03F51825445}" destId="{EDB6085A-8F2B-4B84-887D-9DD4BEC6E4E1}" srcOrd="0" destOrd="0" presId="urn:microsoft.com/office/officeart/2005/8/layout/hierarchy3"/>
     <dgm:cxn modelId="{77C2803F-5DCB-40EC-8837-BEA44757C328}" type="presOf" srcId="{B1CEE35E-20B6-4A0B-B1E8-D4F40E3162E1}" destId="{C5878689-67F2-4E3D-8C9B-392F50C32024}" srcOrd="0" destOrd="0" presId="urn:microsoft.com/office/officeart/2005/8/layout/hierarchy3"/>
     <dgm:cxn modelId="{3C31933F-6B34-49D4-B2D3-FA6BA454BF0B}" type="presOf" srcId="{3C02419B-DA6A-4FDB-972F-4F8DC3AD08E3}" destId="{5A2BB121-DDEE-46A8-AC09-18496F773E62}" srcOrd="0" destOrd="0" presId="urn:microsoft.com/office/officeart/2005/8/layout/hierarchy3"/>
+    <dgm:cxn modelId="{AA1BF140-67A4-4F19-A882-F5B0C6DCDE3F}" type="presOf" srcId="{5FEB1B6C-FFE0-497B-AC09-97C2A4F7BDF4}" destId="{98F5961E-009F-4B0E-B7E3-D6C73872AA97}" srcOrd="0" destOrd="0" presId="urn:microsoft.com/office/officeart/2005/8/layout/hierarchy3"/>
     <dgm:cxn modelId="{C906736A-EECE-4919-9DAA-28FE9DCB5675}" type="presOf" srcId="{5D17C516-2319-40FE-8748-E184C6D71444}" destId="{3DB7ADFA-DCAB-4034-9F43-B860EBE864E8}" srcOrd="0" destOrd="0" presId="urn:microsoft.com/office/officeart/2005/8/layout/hierarchy3"/>
     <dgm:cxn modelId="{0DEC854C-4194-43A5-8929-DF87D63D4D63}" type="presOf" srcId="{E61F56D0-9360-46BF-8251-561CA9F726E8}" destId="{E8A2D34D-9B35-4804-BD08-DC4453907292}" srcOrd="0" destOrd="0" presId="urn:microsoft.com/office/officeart/2005/8/layout/hierarchy3"/>
     <dgm:cxn modelId="{658D4F50-D710-4AB9-8265-F6A1451ABDAD}" type="presOf" srcId="{E8807DF0-38BE-4236-AFC9-03DFA18007AA}" destId="{6B27DFF3-3021-4E99-BF73-829A6255425D}" srcOrd="0" destOrd="0" presId="urn:microsoft.com/office/officeart/2005/8/layout/hierarchy3"/>
@@ -1739,6 +1789,7 @@
     <dgm:cxn modelId="{C6045752-28A9-4F08-8DE2-ADC62AB18265}" type="presOf" srcId="{109F41A6-1D40-4F81-903A-8B0CB1E442DB}" destId="{278D3975-9588-4A95-85BD-D062BB0AE1A4}" srcOrd="0" destOrd="0" presId="urn:microsoft.com/office/officeart/2005/8/layout/hierarchy3"/>
     <dgm:cxn modelId="{A598A554-6FB3-42AA-BB2F-C4DBF408EC24}" type="presOf" srcId="{A7945ECA-2D01-4C03-9AED-9E3EEAAF0F2C}" destId="{9C3E65C4-9266-43CB-B08F-79811ABF047A}" srcOrd="0" destOrd="0" presId="urn:microsoft.com/office/officeart/2005/8/layout/hierarchy3"/>
     <dgm:cxn modelId="{47968857-87E3-481A-908A-A468E51372C1}" srcId="{9AAB3432-E203-4861-9A1F-5A18DE81A0E0}" destId="{B1CEE35E-20B6-4A0B-B1E8-D4F40E3162E1}" srcOrd="2" destOrd="0" parTransId="{08AACE21-5FAD-4460-B120-67387C8F0F32}" sibTransId="{4A08DEA0-C75B-4713-B280-420C60C372D9}"/>
+    <dgm:cxn modelId="{89929C80-2DC0-4D55-A509-D03B65DF1DA5}" srcId="{ED0B78BF-E006-4732-B48C-2ADC9E2EF39A}" destId="{2F5428A6-4B7D-4C0E-9CAB-79528BD25A97}" srcOrd="3" destOrd="0" parTransId="{5FEB1B6C-FFE0-497B-AC09-97C2A4F7BDF4}" sibTransId="{F7A995F7-0D98-4650-B482-7B23AA209241}"/>
     <dgm:cxn modelId="{A3550B88-A4A2-4C55-8EEF-D8696D63FDCA}" type="presOf" srcId="{23FBFCAF-D268-4C4D-8359-092F33A19BD5}" destId="{88C17E61-7A2A-46D7-AC95-5E562286A33E}" srcOrd="0" destOrd="0" presId="urn:microsoft.com/office/officeart/2005/8/layout/hierarchy3"/>
     <dgm:cxn modelId="{22964D88-0DC4-4B3C-A8CE-48EA0783D709}" type="presOf" srcId="{9AAB3432-E203-4861-9A1F-5A18DE81A0E0}" destId="{D5FEF17D-A657-4E90-83A6-FFBD9375BEE2}" srcOrd="1" destOrd="0" presId="urn:microsoft.com/office/officeart/2005/8/layout/hierarchy3"/>
     <dgm:cxn modelId="{9662958D-3400-409A-ADC7-BEB605777B1F}" srcId="{ED0B78BF-E006-4732-B48C-2ADC9E2EF39A}" destId="{1CBBDDB5-026A-42BF-8805-ACAC57AA5DC3}" srcOrd="0" destOrd="0" parTransId="{1EC30C20-D36E-4265-85EE-C210CE02F892}" sibTransId="{D37EB34B-12D7-42C6-A433-F33F271349CA}"/>
@@ -1747,7 +1798,7 @@
     <dgm:cxn modelId="{FAC6949B-B633-43AF-9BCB-483138B18D3F}" type="presOf" srcId="{FA010E1E-46BF-40DE-B386-14C19C329E38}" destId="{0ECF28DA-9925-4B5B-97B1-BDA459502114}" srcOrd="0" destOrd="0" presId="urn:microsoft.com/office/officeart/2005/8/layout/hierarchy3"/>
     <dgm:cxn modelId="{8B495D9D-5B75-4B97-8FE7-54F24CED5860}" type="presOf" srcId="{1CBBDDB5-026A-42BF-8805-ACAC57AA5DC3}" destId="{3B0CF9DF-CC55-47FF-BECE-903E70F9D2DE}" srcOrd="0" destOrd="0" presId="urn:microsoft.com/office/officeart/2005/8/layout/hierarchy3"/>
     <dgm:cxn modelId="{F9A2BA9E-B30D-4948-A3E9-A634F6BE47FD}" srcId="{D4ADF4FB-6626-4BAA-8170-1AB86830E7EB}" destId="{5D17C516-2319-40FE-8748-E184C6D71444}" srcOrd="2" destOrd="0" parTransId="{EA441DC7-A30D-47EC-A5C8-C50834D06E30}" sibTransId="{636B54D7-340F-4600-82E5-F2E670443C91}"/>
-    <dgm:cxn modelId="{B2581BA3-7711-4B4F-895A-5C4A1A23D07A}" srcId="{ED0B78BF-E006-4732-B48C-2ADC9E2EF39A}" destId="{3C02419B-DA6A-4FDB-972F-4F8DC3AD08E3}" srcOrd="3" destOrd="0" parTransId="{FA010E1E-46BF-40DE-B386-14C19C329E38}" sibTransId="{ABE6B4B2-8044-42FC-8EBA-A2B2927B372D}"/>
+    <dgm:cxn modelId="{B2581BA3-7711-4B4F-895A-5C4A1A23D07A}" srcId="{ED0B78BF-E006-4732-B48C-2ADC9E2EF39A}" destId="{3C02419B-DA6A-4FDB-972F-4F8DC3AD08E3}" srcOrd="4" destOrd="0" parTransId="{FA010E1E-46BF-40DE-B386-14C19C329E38}" sibTransId="{ABE6B4B2-8044-42FC-8EBA-A2B2927B372D}"/>
     <dgm:cxn modelId="{17D275A3-9BBB-4EF7-8582-F13F0E98BB5D}" type="presOf" srcId="{ED0B78BF-E006-4732-B48C-2ADC9E2EF39A}" destId="{F1C18E15-3E91-476D-8B13-25AD56BC4B13}" srcOrd="0" destOrd="0" presId="urn:microsoft.com/office/officeart/2005/8/layout/hierarchy3"/>
     <dgm:cxn modelId="{29461AA4-85D3-4C91-9D68-226BD6D7500F}" type="presOf" srcId="{DDB8B436-9528-434E-BD0F-6EB4D2ACB929}" destId="{7E3D7089-292B-46E8-B4F0-ADC3733C52BD}" srcOrd="0" destOrd="0" presId="urn:microsoft.com/office/officeart/2005/8/layout/hierarchy3"/>
     <dgm:cxn modelId="{6F0A8CA4-3728-4E60-8471-7CAB7A834900}" type="presOf" srcId="{F221EA58-7488-4550-B7A5-965344CA7EAE}" destId="{CF0B1CD2-0FC3-49A4-A520-B01A6C3CCB95}" srcOrd="0" destOrd="0" presId="urn:microsoft.com/office/officeart/2005/8/layout/hierarchy3"/>
@@ -1789,8 +1840,10 @@
     <dgm:cxn modelId="{D1011F87-5E28-4D3F-8118-4BA6A4FEA06E}" type="presParOf" srcId="{5E7F2D45-2508-495B-A708-02E0FD5F2314}" destId="{9C3E65C4-9266-43CB-B08F-79811ABF047A}" srcOrd="3" destOrd="0" presId="urn:microsoft.com/office/officeart/2005/8/layout/hierarchy3"/>
     <dgm:cxn modelId="{B64B3C35-7E92-47FF-A43C-7E75EABB7DE0}" type="presParOf" srcId="{5E7F2D45-2508-495B-A708-02E0FD5F2314}" destId="{16CFAB30-3E6A-44D7-A45D-E3066E142053}" srcOrd="4" destOrd="0" presId="urn:microsoft.com/office/officeart/2005/8/layout/hierarchy3"/>
     <dgm:cxn modelId="{86D49351-D3C9-48A1-88EA-44A93353F587}" type="presParOf" srcId="{5E7F2D45-2508-495B-A708-02E0FD5F2314}" destId="{5F9726AA-E8AD-4C5C-A0CA-2350C4F8CAFA}" srcOrd="5" destOrd="0" presId="urn:microsoft.com/office/officeart/2005/8/layout/hierarchy3"/>
-    <dgm:cxn modelId="{91C1DB7D-DADE-48E1-9C3F-D33F6FC84386}" type="presParOf" srcId="{5E7F2D45-2508-495B-A708-02E0FD5F2314}" destId="{0ECF28DA-9925-4B5B-97B1-BDA459502114}" srcOrd="6" destOrd="0" presId="urn:microsoft.com/office/officeart/2005/8/layout/hierarchy3"/>
-    <dgm:cxn modelId="{7A09BA7C-9EDC-496E-8A6D-4B0744B8C88D}" type="presParOf" srcId="{5E7F2D45-2508-495B-A708-02E0FD5F2314}" destId="{5A2BB121-DDEE-46A8-AC09-18496F773E62}" srcOrd="7" destOrd="0" presId="urn:microsoft.com/office/officeart/2005/8/layout/hierarchy3"/>
+    <dgm:cxn modelId="{8B0171C0-5450-460E-AE4D-3268B939CEE2}" type="presParOf" srcId="{5E7F2D45-2508-495B-A708-02E0FD5F2314}" destId="{98F5961E-009F-4B0E-B7E3-D6C73872AA97}" srcOrd="6" destOrd="0" presId="urn:microsoft.com/office/officeart/2005/8/layout/hierarchy3"/>
+    <dgm:cxn modelId="{6C673602-5C94-4CEF-8ABF-08D782366BA0}" type="presParOf" srcId="{5E7F2D45-2508-495B-A708-02E0FD5F2314}" destId="{2751A39C-B58F-4C1E-93BD-4108C32E1751}" srcOrd="7" destOrd="0" presId="urn:microsoft.com/office/officeart/2005/8/layout/hierarchy3"/>
+    <dgm:cxn modelId="{91C1DB7D-DADE-48E1-9C3F-D33F6FC84386}" type="presParOf" srcId="{5E7F2D45-2508-495B-A708-02E0FD5F2314}" destId="{0ECF28DA-9925-4B5B-97B1-BDA459502114}" srcOrd="8" destOrd="0" presId="urn:microsoft.com/office/officeart/2005/8/layout/hierarchy3"/>
+    <dgm:cxn modelId="{7A09BA7C-9EDC-496E-8A6D-4B0744B8C88D}" type="presParOf" srcId="{5E7F2D45-2508-495B-A708-02E0FD5F2314}" destId="{5A2BB121-DDEE-46A8-AC09-18496F773E62}" srcOrd="9" destOrd="0" presId="urn:microsoft.com/office/officeart/2005/8/layout/hierarchy3"/>
     <dgm:cxn modelId="{F5B8C0DF-97A3-423B-9A5D-53FC91FEE07D}" type="presParOf" srcId="{5EAC0F1C-8135-499C-A050-8951C4D4D68B}" destId="{59FB6EFF-035B-4901-8C84-3BDEA8130465}" srcOrd="2" destOrd="0" presId="urn:microsoft.com/office/officeart/2005/8/layout/hierarchy3"/>
     <dgm:cxn modelId="{2C3BEA50-80F2-41C7-A82B-5C3E16FC0BD9}" type="presParOf" srcId="{59FB6EFF-035B-4901-8C84-3BDEA8130465}" destId="{DFAAFD62-220C-47EA-B1FF-1D698C1D9D0C}" srcOrd="0" destOrd="0" presId="urn:microsoft.com/office/officeart/2005/8/layout/hierarchy3"/>
     <dgm:cxn modelId="{5783CD70-7213-4FC1-AF68-237D5BC3062A}" type="presParOf" srcId="{DFAAFD62-220C-47EA-B1FF-1D698C1D9D0C}" destId="{3DB7ADFA-DCAB-4034-9F43-B860EBE864E8}" srcOrd="0" destOrd="0" presId="urn:microsoft.com/office/officeart/2005/8/layout/hierarchy3"/>
@@ -1809,7 +1862,7 @@
   <dgm:whole/>
   <dgm:extLst>
     <a:ext uri="http://schemas.microsoft.com/office/drawing/2008/diagram">
-      <dsp:dataModelExt xmlns:dsp="http://schemas.microsoft.com/office/drawing/2008/diagram" relId="rId6" minVer="http://schemas.openxmlformats.org/drawingml/2006/diagram"/>
+      <dsp:dataModelExt xmlns:dsp="http://schemas.microsoft.com/office/drawing/2008/diagram" relId="rId7" minVer="http://schemas.openxmlformats.org/drawingml/2006/diagram"/>
     </a:ext>
   </dgm:extLst>
 </dgm:dataModel>
@@ -1830,8 +1883,8 @@
       </dsp:nvSpPr>
       <dsp:spPr>
         <a:xfrm>
-          <a:off x="529456" y="248"/>
-          <a:ext cx="1439167" cy="719583"/>
+          <a:off x="719583" y="1029"/>
+          <a:ext cx="1330523" cy="665261"/>
         </a:xfrm>
         <a:prstGeom prst="roundRect">
           <a:avLst>
@@ -1874,12 +1927,12 @@
         </a:fontRef>
       </dsp:style>
       <dsp:txBody>
-        <a:bodyPr spcFirstLastPara="0" vert="horz" wrap="square" lIns="28575" tIns="19050" rIns="28575" bIns="19050" numCol="1" spcCol="1270" anchor="ctr" anchorCtr="0">
+        <a:bodyPr spcFirstLastPara="0" vert="horz" wrap="square" lIns="26670" tIns="17780" rIns="26670" bIns="17780" numCol="1" spcCol="1270" anchor="ctr" anchorCtr="0">
           <a:noAutofit/>
         </a:bodyPr>
         <a:lstStyle/>
         <a:p>
-          <a:pPr marL="0" lvl="0" indent="0" algn="ctr" defTabSz="666750">
+          <a:pPr marL="0" lvl="0" indent="0" algn="ctr" defTabSz="622300">
             <a:lnSpc>
               <a:spcPct val="90000"/>
             </a:lnSpc>
@@ -1892,14 +1945,14 @@
             <a:buNone/>
           </a:pPr>
           <a:r>
-            <a:rPr lang="en-US" sz="1500" kern="1200" dirty="0"/>
+            <a:rPr lang="en-US" sz="1400" kern="1200" dirty="0"/>
             <a:t>Basic Principles</a:t>
           </a:r>
         </a:p>
       </dsp:txBody>
       <dsp:txXfrm>
-        <a:off x="550532" y="21324"/>
-        <a:ext cx="1397015" cy="677431"/>
+        <a:off x="739068" y="20514"/>
+        <a:ext cx="1291553" cy="626291"/>
       </dsp:txXfrm>
     </dsp:sp>
     <dsp:sp modelId="{360B229B-0F55-45E5-A55A-DDDBDBD1C921}">
@@ -1909,8 +1962,8 @@
       </dsp:nvSpPr>
       <dsp:spPr>
         <a:xfrm>
-          <a:off x="673372" y="719832"/>
-          <a:ext cx="143916" cy="539687"/>
+          <a:off x="852636" y="666290"/>
+          <a:ext cx="133052" cy="498946"/>
         </a:xfrm>
         <a:custGeom>
           <a:avLst/>
@@ -1924,10 +1977,10 @@
                 <a:pt x="0" y="0"/>
               </a:moveTo>
               <a:lnTo>
-                <a:pt x="0" y="539687"/>
+                <a:pt x="0" y="498946"/>
               </a:lnTo>
               <a:lnTo>
-                <a:pt x="143916" y="539687"/>
+                <a:pt x="133052" y="498946"/>
               </a:lnTo>
             </a:path>
           </a:pathLst>
@@ -1967,8 +2020,8 @@
       </dsp:nvSpPr>
       <dsp:spPr>
         <a:xfrm>
-          <a:off x="817289" y="899728"/>
-          <a:ext cx="1151334" cy="719583"/>
+          <a:off x="985688" y="832606"/>
+          <a:ext cx="1064418" cy="665261"/>
         </a:xfrm>
         <a:prstGeom prst="roundRect">
           <a:avLst>
@@ -2000,12 +2053,12 @@
         </a:fontRef>
       </dsp:style>
       <dsp:txBody>
-        <a:bodyPr spcFirstLastPara="0" vert="horz" wrap="square" lIns="28575" tIns="19050" rIns="28575" bIns="19050" numCol="1" spcCol="1270" anchor="ctr" anchorCtr="0">
+        <a:bodyPr spcFirstLastPara="0" vert="horz" wrap="square" lIns="20955" tIns="13970" rIns="20955" bIns="13970" numCol="1" spcCol="1270" anchor="ctr" anchorCtr="0">
           <a:noAutofit/>
         </a:bodyPr>
         <a:lstStyle/>
         <a:p>
-          <a:pPr marL="0" lvl="0" indent="0" algn="ctr" defTabSz="666750">
+          <a:pPr marL="0" lvl="0" indent="0" algn="ctr" defTabSz="488950">
             <a:lnSpc>
               <a:spcPct val="90000"/>
             </a:lnSpc>
@@ -2018,14 +2071,14 @@
             <a:buNone/>
           </a:pPr>
           <a:r>
-            <a:rPr lang="en-US" sz="1500" kern="1200" dirty="0"/>
+            <a:rPr lang="en-US" sz="1100" kern="1200" dirty="0"/>
             <a:t>Designing Data</a:t>
           </a:r>
         </a:p>
       </dsp:txBody>
       <dsp:txXfrm>
-        <a:off x="838365" y="920804"/>
-        <a:ext cx="1109182" cy="677431"/>
+        <a:off x="1005173" y="852091"/>
+        <a:ext cx="1025448" cy="626291"/>
       </dsp:txXfrm>
     </dsp:sp>
     <dsp:sp modelId="{BC1B1EA4-129C-44F6-935B-BA646A7A2AA3}">
@@ -2035,8 +2088,8 @@
       </dsp:nvSpPr>
       <dsp:spPr>
         <a:xfrm>
-          <a:off x="673372" y="719832"/>
-          <a:ext cx="143916" cy="1439167"/>
+          <a:off x="852636" y="666290"/>
+          <a:ext cx="133052" cy="1330523"/>
         </a:xfrm>
         <a:custGeom>
           <a:avLst/>
@@ -2050,10 +2103,10 @@
                 <a:pt x="0" y="0"/>
               </a:moveTo>
               <a:lnTo>
-                <a:pt x="0" y="1439167"/>
+                <a:pt x="0" y="1330523"/>
               </a:lnTo>
               <a:lnTo>
-                <a:pt x="143916" y="1439167"/>
+                <a:pt x="133052" y="1330523"/>
               </a:lnTo>
             </a:path>
           </a:pathLst>
@@ -2093,8 +2146,8 @@
       </dsp:nvSpPr>
       <dsp:spPr>
         <a:xfrm>
-          <a:off x="817289" y="1799208"/>
-          <a:ext cx="1151334" cy="719583"/>
+          <a:off x="985688" y="1664183"/>
+          <a:ext cx="1064418" cy="665261"/>
         </a:xfrm>
         <a:prstGeom prst="roundRect">
           <a:avLst>
@@ -2126,12 +2179,12 @@
         </a:fontRef>
       </dsp:style>
       <dsp:txBody>
-        <a:bodyPr spcFirstLastPara="0" vert="horz" wrap="square" lIns="28575" tIns="19050" rIns="28575" bIns="19050" numCol="1" spcCol="1270" anchor="ctr" anchorCtr="0">
+        <a:bodyPr spcFirstLastPara="0" vert="horz" wrap="square" lIns="20955" tIns="13970" rIns="20955" bIns="13970" numCol="1" spcCol="1270" anchor="ctr" anchorCtr="0">
           <a:noAutofit/>
         </a:bodyPr>
         <a:lstStyle/>
         <a:p>
-          <a:pPr marL="0" lvl="0" indent="0" algn="ctr" defTabSz="666750">
+          <a:pPr marL="0" lvl="0" indent="0" algn="ctr" defTabSz="488950">
             <a:lnSpc>
               <a:spcPct val="90000"/>
             </a:lnSpc>
@@ -2144,14 +2197,14 @@
             <a:buNone/>
           </a:pPr>
           <a:r>
-            <a:rPr lang="en-US" sz="1500" kern="1200" dirty="0"/>
+            <a:rPr lang="en-US" sz="1100" kern="1200" dirty="0"/>
             <a:t>Designing Functions</a:t>
           </a:r>
         </a:p>
       </dsp:txBody>
       <dsp:txXfrm>
-        <a:off x="838365" y="1820284"/>
-        <a:ext cx="1109182" cy="677431"/>
+        <a:off x="1005173" y="1683668"/>
+        <a:ext cx="1025448" cy="626291"/>
       </dsp:txXfrm>
     </dsp:sp>
     <dsp:sp modelId="{F5AE7053-0C33-481C-8BFB-D2DAFB4C4294}">
@@ -2161,8 +2214,8 @@
       </dsp:nvSpPr>
       <dsp:spPr>
         <a:xfrm>
-          <a:off x="673372" y="719832"/>
-          <a:ext cx="143916" cy="2338647"/>
+          <a:off x="852636" y="666290"/>
+          <a:ext cx="133052" cy="2162100"/>
         </a:xfrm>
         <a:custGeom>
           <a:avLst/>
@@ -2176,10 +2229,10 @@
                 <a:pt x="0" y="0"/>
               </a:moveTo>
               <a:lnTo>
-                <a:pt x="0" y="2338647"/>
+                <a:pt x="0" y="2162100"/>
               </a:lnTo>
               <a:lnTo>
-                <a:pt x="143916" y="2338647"/>
+                <a:pt x="133052" y="2162100"/>
               </a:lnTo>
             </a:path>
           </a:pathLst>
@@ -2219,8 +2272,8 @@
       </dsp:nvSpPr>
       <dsp:spPr>
         <a:xfrm>
-          <a:off x="817289" y="2698687"/>
-          <a:ext cx="1151334" cy="719583"/>
+          <a:off x="985688" y="2495760"/>
+          <a:ext cx="1064418" cy="665261"/>
         </a:xfrm>
         <a:prstGeom prst="roundRect">
           <a:avLst>
@@ -2262,12 +2315,12 @@
         <a:fontRef idx="minor"/>
       </dsp:style>
       <dsp:txBody>
-        <a:bodyPr spcFirstLastPara="0" vert="horz" wrap="square" lIns="28575" tIns="19050" rIns="28575" bIns="19050" numCol="1" spcCol="1270" anchor="ctr" anchorCtr="0">
+        <a:bodyPr spcFirstLastPara="0" vert="horz" wrap="square" lIns="20955" tIns="13970" rIns="20955" bIns="13970" numCol="1" spcCol="1270" anchor="ctr" anchorCtr="0">
           <a:noAutofit/>
         </a:bodyPr>
         <a:lstStyle/>
         <a:p>
-          <a:pPr marL="0" lvl="0" indent="0" algn="ctr" defTabSz="666750">
+          <a:pPr marL="0" lvl="0" indent="0" algn="ctr" defTabSz="488950">
             <a:lnSpc>
               <a:spcPct val="90000"/>
             </a:lnSpc>
@@ -2280,14 +2333,14 @@
             <a:buNone/>
           </a:pPr>
           <a:r>
-            <a:rPr lang="en-US" sz="1500" kern="1200" dirty="0"/>
+            <a:rPr lang="en-US" sz="1100" kern="1200" dirty="0"/>
             <a:t>Designing Systems</a:t>
           </a:r>
         </a:p>
       </dsp:txBody>
       <dsp:txXfrm>
-        <a:off x="838365" y="2719763"/>
-        <a:ext cx="1109182" cy="677431"/>
+        <a:off x="1005173" y="2515245"/>
+        <a:ext cx="1025448" cy="626291"/>
       </dsp:txXfrm>
     </dsp:sp>
     <dsp:sp modelId="{F1C18E15-3E91-476D-8B13-25AD56BC4B13}">
@@ -2297,8 +2350,8 @@
       </dsp:nvSpPr>
       <dsp:spPr>
         <a:xfrm>
-          <a:off x="2328416" y="248"/>
-          <a:ext cx="1439167" cy="719583"/>
+          <a:off x="2382738" y="1029"/>
+          <a:ext cx="1330523" cy="665261"/>
         </a:xfrm>
         <a:prstGeom prst="roundRect">
           <a:avLst>
@@ -2341,12 +2394,12 @@
         </a:fontRef>
       </dsp:style>
       <dsp:txBody>
-        <a:bodyPr spcFirstLastPara="0" vert="horz" wrap="square" lIns="28575" tIns="19050" rIns="28575" bIns="19050" numCol="1" spcCol="1270" anchor="ctr" anchorCtr="0">
+        <a:bodyPr spcFirstLastPara="0" vert="horz" wrap="square" lIns="26670" tIns="17780" rIns="26670" bIns="17780" numCol="1" spcCol="1270" anchor="ctr" anchorCtr="0">
           <a:noAutofit/>
         </a:bodyPr>
         <a:lstStyle/>
         <a:p>
-          <a:pPr marL="0" lvl="0" indent="0" algn="ctr" defTabSz="666750">
+          <a:pPr marL="0" lvl="0" indent="0" algn="ctr" defTabSz="622300">
             <a:lnSpc>
               <a:spcPct val="90000"/>
             </a:lnSpc>
@@ -2359,14 +2412,14 @@
             <a:buNone/>
           </a:pPr>
           <a:r>
-            <a:rPr lang="en-US" sz="1500" kern="1200" dirty="0"/>
+            <a:rPr lang="en-US" sz="1400" kern="1200" dirty="0"/>
             <a:t>Tools and Techniques</a:t>
           </a:r>
         </a:p>
       </dsp:txBody>
       <dsp:txXfrm>
-        <a:off x="2349492" y="21324"/>
-        <a:ext cx="1397015" cy="677431"/>
+        <a:off x="2402223" y="20514"/>
+        <a:ext cx="1291553" cy="626291"/>
       </dsp:txXfrm>
     </dsp:sp>
     <dsp:sp modelId="{2564A6E5-875B-4BC6-B983-AA12C064A019}">
@@ -2376,8 +2429,8 @@
       </dsp:nvSpPr>
       <dsp:spPr>
         <a:xfrm>
-          <a:off x="2472332" y="719832"/>
-          <a:ext cx="143916" cy="539687"/>
+          <a:off x="2515790" y="666290"/>
+          <a:ext cx="133052" cy="498946"/>
         </a:xfrm>
         <a:custGeom>
           <a:avLst/>
@@ -2391,10 +2444,10 @@
                 <a:pt x="0" y="0"/>
               </a:moveTo>
               <a:lnTo>
-                <a:pt x="0" y="539687"/>
+                <a:pt x="0" y="498946"/>
               </a:lnTo>
               <a:lnTo>
-                <a:pt x="143916" y="539687"/>
+                <a:pt x="133052" y="498946"/>
               </a:lnTo>
             </a:path>
           </a:pathLst>
@@ -2434,8 +2487,8 @@
       </dsp:nvSpPr>
       <dsp:spPr>
         <a:xfrm>
-          <a:off x="2616249" y="899728"/>
-          <a:ext cx="1151334" cy="719583"/>
+          <a:off x="2648842" y="832606"/>
+          <a:ext cx="1064418" cy="665261"/>
         </a:xfrm>
         <a:prstGeom prst="roundRect">
           <a:avLst>
@@ -2477,12 +2530,12 @@
         <a:fontRef idx="minor"/>
       </dsp:style>
       <dsp:txBody>
-        <a:bodyPr spcFirstLastPara="0" vert="horz" wrap="square" lIns="28575" tIns="19050" rIns="28575" bIns="19050" numCol="1" spcCol="1270" anchor="ctr" anchorCtr="0">
+        <a:bodyPr spcFirstLastPara="0" vert="horz" wrap="square" lIns="20955" tIns="13970" rIns="20955" bIns="13970" numCol="1" spcCol="1270" anchor="ctr" anchorCtr="0">
           <a:noAutofit/>
         </a:bodyPr>
         <a:lstStyle/>
         <a:p>
-          <a:pPr marL="0" lvl="0" indent="0" algn="ctr" defTabSz="666750">
+          <a:pPr marL="0" lvl="0" indent="0" algn="ctr" defTabSz="488950">
             <a:lnSpc>
               <a:spcPct val="90000"/>
             </a:lnSpc>
@@ -2495,14 +2548,14 @@
             <a:buNone/>
           </a:pPr>
           <a:r>
-            <a:rPr lang="en-US" sz="1500" kern="1200" dirty="0"/>
+            <a:rPr lang="en-US" sz="1100" kern="1200" dirty="0"/>
             <a:t>Computing with Lists</a:t>
           </a:r>
         </a:p>
       </dsp:txBody>
       <dsp:txXfrm>
-        <a:off x="2637325" y="920804"/>
-        <a:ext cx="1109182" cy="677431"/>
+        <a:off x="2668327" y="852091"/>
+        <a:ext cx="1025448" cy="626291"/>
       </dsp:txXfrm>
     </dsp:sp>
     <dsp:sp modelId="{7DFA9A08-1F84-4CF2-9E63-7F6E7C219F76}">
@@ -2512,8 +2565,8 @@
       </dsp:nvSpPr>
       <dsp:spPr>
         <a:xfrm>
-          <a:off x="2472332" y="719832"/>
-          <a:ext cx="143916" cy="1439167"/>
+          <a:off x="2515790" y="666290"/>
+          <a:ext cx="133052" cy="1330523"/>
         </a:xfrm>
         <a:custGeom>
           <a:avLst/>
@@ -2527,10 +2580,10 @@
                 <a:pt x="0" y="0"/>
               </a:moveTo>
               <a:lnTo>
-                <a:pt x="0" y="1439167"/>
+                <a:pt x="0" y="1330523"/>
               </a:lnTo>
               <a:lnTo>
-                <a:pt x="143916" y="1439167"/>
+                <a:pt x="133052" y="1330523"/>
               </a:lnTo>
             </a:path>
           </a:pathLst>
@@ -2570,8 +2623,8 @@
       </dsp:nvSpPr>
       <dsp:spPr>
         <a:xfrm>
-          <a:off x="2616249" y="1799208"/>
-          <a:ext cx="1151334" cy="719583"/>
+          <a:off x="2648842" y="1664183"/>
+          <a:ext cx="1064418" cy="665261"/>
         </a:xfrm>
         <a:prstGeom prst="roundRect">
           <a:avLst>
@@ -2613,12 +2666,12 @@
         <a:fontRef idx="minor"/>
       </dsp:style>
       <dsp:txBody>
-        <a:bodyPr spcFirstLastPara="0" vert="horz" wrap="square" lIns="28575" tIns="19050" rIns="28575" bIns="19050" numCol="1" spcCol="1270" anchor="ctr" anchorCtr="0">
+        <a:bodyPr spcFirstLastPara="0" vert="horz" wrap="square" lIns="20955" tIns="13970" rIns="20955" bIns="13970" numCol="1" spcCol="1270" anchor="ctr" anchorCtr="0">
           <a:noAutofit/>
         </a:bodyPr>
         <a:lstStyle/>
         <a:p>
-          <a:pPr marL="0" lvl="0" indent="0" algn="ctr" defTabSz="666750">
+          <a:pPr marL="0" lvl="0" indent="0" algn="ctr" defTabSz="488950">
             <a:lnSpc>
               <a:spcPct val="90000"/>
             </a:lnSpc>
@@ -2631,14 +2684,14 @@
             <a:buNone/>
           </a:pPr>
           <a:r>
-            <a:rPr lang="en-US" sz="1500" kern="1200" dirty="0"/>
+            <a:rPr lang="en-US" sz="1100" kern="1200" dirty="0"/>
             <a:t>Computing with Trees and Graphs</a:t>
           </a:r>
         </a:p>
       </dsp:txBody>
       <dsp:txXfrm>
-        <a:off x="2637325" y="1820284"/>
-        <a:ext cx="1109182" cy="677431"/>
+        <a:off x="2668327" y="1683668"/>
+        <a:ext cx="1025448" cy="626291"/>
       </dsp:txXfrm>
     </dsp:sp>
     <dsp:sp modelId="{16CFAB30-3E6A-44D7-A45D-E3066E142053}">
@@ -2648,8 +2701,8 @@
       </dsp:nvSpPr>
       <dsp:spPr>
         <a:xfrm>
-          <a:off x="2472332" y="719832"/>
-          <a:ext cx="143916" cy="2338647"/>
+          <a:off x="2515790" y="666290"/>
+          <a:ext cx="133052" cy="2162100"/>
         </a:xfrm>
         <a:custGeom>
           <a:avLst/>
@@ -2663,10 +2716,10 @@
                 <a:pt x="0" y="0"/>
               </a:moveTo>
               <a:lnTo>
-                <a:pt x="0" y="2338647"/>
+                <a:pt x="0" y="2162100"/>
               </a:lnTo>
               <a:lnTo>
-                <a:pt x="143916" y="2338647"/>
+                <a:pt x="133052" y="2162100"/>
               </a:lnTo>
             </a:path>
           </a:pathLst>
@@ -2706,8 +2759,8 @@
       </dsp:nvSpPr>
       <dsp:spPr>
         <a:xfrm>
-          <a:off x="2616249" y="2698687"/>
-          <a:ext cx="1151334" cy="719583"/>
+          <a:off x="2648842" y="2495760"/>
+          <a:ext cx="1064418" cy="665261"/>
         </a:xfrm>
         <a:prstGeom prst="roundRect">
           <a:avLst>
@@ -2749,12 +2802,12 @@
         <a:fontRef idx="minor"/>
       </dsp:style>
       <dsp:txBody>
-        <a:bodyPr spcFirstLastPara="0" vert="horz" wrap="square" lIns="28575" tIns="19050" rIns="28575" bIns="19050" numCol="1" spcCol="1270" anchor="ctr" anchorCtr="0">
+        <a:bodyPr spcFirstLastPara="0" vert="horz" wrap="square" lIns="20955" tIns="13970" rIns="20955" bIns="13970" numCol="1" spcCol="1270" anchor="ctr" anchorCtr="0">
           <a:noAutofit/>
         </a:bodyPr>
         <a:lstStyle/>
         <a:p>
-          <a:pPr marL="0" lvl="0" indent="0" algn="ctr" defTabSz="666750">
+          <a:pPr marL="0" lvl="0" indent="0" algn="ctr" defTabSz="488950">
             <a:lnSpc>
               <a:spcPct val="90000"/>
             </a:lnSpc>
@@ -2767,25 +2820,25 @@
             <a:buNone/>
           </a:pPr>
           <a:r>
-            <a:rPr lang="en-US" sz="1500" kern="1200" dirty="0"/>
+            <a:rPr lang="en-US" sz="1100" kern="1200" dirty="0"/>
             <a:t>Designing with Invariants</a:t>
           </a:r>
         </a:p>
       </dsp:txBody>
       <dsp:txXfrm>
-        <a:off x="2637325" y="2719763"/>
-        <a:ext cx="1109182" cy="677431"/>
+        <a:off x="2668327" y="2515245"/>
+        <a:ext cx="1025448" cy="626291"/>
       </dsp:txXfrm>
     </dsp:sp>
-    <dsp:sp modelId="{0ECF28DA-9925-4B5B-97B1-BDA459502114}">
+    <dsp:sp modelId="{98F5961E-009F-4B0E-B7E3-D6C73872AA97}">
       <dsp:nvSpPr>
         <dsp:cNvPr id="0" name=""/>
         <dsp:cNvSpPr/>
       </dsp:nvSpPr>
       <dsp:spPr>
         <a:xfrm>
-          <a:off x="2472332" y="719832"/>
-          <a:ext cx="143916" cy="3238127"/>
+          <a:off x="2515790" y="666290"/>
+          <a:ext cx="133052" cy="2993677"/>
         </a:xfrm>
         <a:custGeom>
           <a:avLst/>
@@ -2799,10 +2852,10 @@
                 <a:pt x="0" y="0"/>
               </a:moveTo>
               <a:lnTo>
-                <a:pt x="0" y="3238127"/>
+                <a:pt x="0" y="2993677"/>
               </a:lnTo>
               <a:lnTo>
-                <a:pt x="143916" y="3238127"/>
+                <a:pt x="133052" y="2993677"/>
               </a:lnTo>
             </a:path>
           </a:pathLst>
@@ -2835,15 +2888,15 @@
         <a:fontRef idx="minor"/>
       </dsp:style>
     </dsp:sp>
-    <dsp:sp modelId="{5A2BB121-DDEE-46A8-AC09-18496F773E62}">
+    <dsp:sp modelId="{2751A39C-B58F-4C1E-93BD-4108C32E1751}">
       <dsp:nvSpPr>
         <dsp:cNvPr id="0" name=""/>
         <dsp:cNvSpPr/>
       </dsp:nvSpPr>
       <dsp:spPr>
         <a:xfrm>
-          <a:off x="2616249" y="3598167"/>
-          <a:ext cx="1151334" cy="719583"/>
+          <a:off x="2648842" y="3327337"/>
+          <a:ext cx="1064418" cy="665261"/>
         </a:xfrm>
         <a:prstGeom prst="roundRect">
           <a:avLst>
@@ -2885,12 +2938,12 @@
         <a:fontRef idx="minor"/>
       </dsp:style>
       <dsp:txBody>
-        <a:bodyPr spcFirstLastPara="0" vert="horz" wrap="square" lIns="28575" tIns="19050" rIns="28575" bIns="19050" numCol="1" spcCol="1270" anchor="ctr" anchorCtr="0">
+        <a:bodyPr spcFirstLastPara="0" vert="horz" wrap="square" lIns="20955" tIns="13970" rIns="20955" bIns="13970" numCol="1" spcCol="1270" anchor="ctr" anchorCtr="0">
           <a:noAutofit/>
         </a:bodyPr>
         <a:lstStyle/>
         <a:p>
-          <a:pPr marL="0" lvl="0" indent="0" algn="ctr" defTabSz="666750">
+          <a:pPr marL="0" lvl="0" indent="0" algn="ctr" defTabSz="488950">
             <a:lnSpc>
               <a:spcPct val="90000"/>
             </a:lnSpc>
@@ -2903,14 +2956,150 @@
             <a:buNone/>
           </a:pPr>
           <a:r>
-            <a:rPr lang="en-US" sz="1500" kern="1200" dirty="0"/>
+            <a:rPr lang="en-US" sz="1100" kern="1200" dirty="0"/>
+            <a:t>Computing with Higher-Order Functions</a:t>
+          </a:r>
+        </a:p>
+      </dsp:txBody>
+      <dsp:txXfrm>
+        <a:off x="2668327" y="3346822"/>
+        <a:ext cx="1025448" cy="626291"/>
+      </dsp:txXfrm>
+    </dsp:sp>
+    <dsp:sp modelId="{0ECF28DA-9925-4B5B-97B1-BDA459502114}">
+      <dsp:nvSpPr>
+        <dsp:cNvPr id="0" name=""/>
+        <dsp:cNvSpPr/>
+      </dsp:nvSpPr>
+      <dsp:spPr>
+        <a:xfrm>
+          <a:off x="2515790" y="666290"/>
+          <a:ext cx="191595" cy="3826284"/>
+        </a:xfrm>
+        <a:custGeom>
+          <a:avLst/>
+          <a:gdLst/>
+          <a:ahLst/>
+          <a:cxnLst/>
+          <a:rect l="0" t="0" r="0" b="0"/>
+          <a:pathLst>
+            <a:path>
+              <a:moveTo>
+                <a:pt x="0" y="0"/>
+              </a:moveTo>
+              <a:lnTo>
+                <a:pt x="0" y="3826284"/>
+              </a:lnTo>
+              <a:lnTo>
+                <a:pt x="191595" y="3826284"/>
+              </a:lnTo>
+            </a:path>
+          </a:pathLst>
+        </a:custGeom>
+        <a:noFill/>
+        <a:ln w="25400" cap="flat" cmpd="sng" algn="ctr">
+          <a:solidFill>
+            <a:schemeClr val="accent1">
+              <a:shade val="60000"/>
+              <a:hueOff val="0"/>
+              <a:satOff val="0"/>
+              <a:lumOff val="0"/>
+              <a:alphaOff val="0"/>
+            </a:schemeClr>
+          </a:solidFill>
+          <a:prstDash val="solid"/>
+        </a:ln>
+        <a:effectLst/>
+      </dsp:spPr>
+      <dsp:style>
+        <a:lnRef idx="2">
+          <a:scrgbClr r="0" g="0" b="0"/>
+        </a:lnRef>
+        <a:fillRef idx="0">
+          <a:scrgbClr r="0" g="0" b="0"/>
+        </a:fillRef>
+        <a:effectRef idx="0">
+          <a:scrgbClr r="0" g="0" b="0"/>
+        </a:effectRef>
+        <a:fontRef idx="minor"/>
+      </dsp:style>
+    </dsp:sp>
+    <dsp:sp modelId="{5A2BB121-DDEE-46A8-AC09-18496F773E62}">
+      <dsp:nvSpPr>
+        <dsp:cNvPr id="0" name=""/>
+        <dsp:cNvSpPr/>
+      </dsp:nvSpPr>
+      <dsp:spPr>
+        <a:xfrm>
+          <a:off x="2707386" y="4159944"/>
+          <a:ext cx="1064418" cy="665261"/>
+        </a:xfrm>
+        <a:prstGeom prst="roundRect">
+          <a:avLst>
+            <a:gd name="adj" fmla="val 10000"/>
+          </a:avLst>
+        </a:prstGeom>
+        <a:solidFill>
+          <a:schemeClr val="lt1">
+            <a:alpha val="90000"/>
+            <a:hueOff val="0"/>
+            <a:satOff val="0"/>
+            <a:lumOff val="0"/>
+            <a:alphaOff val="0"/>
+          </a:schemeClr>
+        </a:solidFill>
+        <a:ln w="25400" cap="flat" cmpd="sng" algn="ctr">
+          <a:solidFill>
+            <a:schemeClr val="accent1">
+              <a:hueOff val="0"/>
+              <a:satOff val="0"/>
+              <a:lumOff val="0"/>
+              <a:alphaOff val="0"/>
+            </a:schemeClr>
+          </a:solidFill>
+          <a:prstDash val="solid"/>
+        </a:ln>
+        <a:effectLst/>
+      </dsp:spPr>
+      <dsp:style>
+        <a:lnRef idx="2">
+          <a:scrgbClr r="0" g="0" b="0"/>
+        </a:lnRef>
+        <a:fillRef idx="1">
+          <a:scrgbClr r="0" g="0" b="0"/>
+        </a:fillRef>
+        <a:effectRef idx="0">
+          <a:scrgbClr r="0" g="0" b="0"/>
+        </a:effectRef>
+        <a:fontRef idx="minor"/>
+      </dsp:style>
+      <dsp:txBody>
+        <a:bodyPr spcFirstLastPara="0" vert="horz" wrap="square" lIns="20955" tIns="13970" rIns="20955" bIns="13970" numCol="1" spcCol="1270" anchor="ctr" anchorCtr="0">
+          <a:noAutofit/>
+        </a:bodyPr>
+        <a:lstStyle/>
+        <a:p>
+          <a:pPr marL="0" lvl="0" indent="0" algn="ctr" defTabSz="488950">
+            <a:lnSpc>
+              <a:spcPct val="90000"/>
+            </a:lnSpc>
+            <a:spcBef>
+              <a:spcPct val="0"/>
+            </a:spcBef>
+            <a:spcAft>
+              <a:spcPct val="35000"/>
+            </a:spcAft>
+            <a:buNone/>
+          </a:pPr>
+          <a:r>
+            <a:rPr lang="en-US" sz="1100" kern="1200" dirty="0"/>
             <a:t>Thinking about Efficiency</a:t>
           </a:r>
         </a:p>
       </dsp:txBody>
       <dsp:txXfrm>
-        <a:off x="2637325" y="3619243"/>
-        <a:ext cx="1109182" cy="677431"/>
+        <a:off x="2726871" y="4179429"/>
+        <a:ext cx="1025448" cy="626291"/>
       </dsp:txXfrm>
     </dsp:sp>
     <dsp:sp modelId="{3DB7ADFA-DCAB-4034-9F43-B860EBE864E8}">
@@ -2920,8 +3109,8 @@
       </dsp:nvSpPr>
       <dsp:spPr>
         <a:xfrm>
-          <a:off x="4127375" y="248"/>
-          <a:ext cx="1439167" cy="719583"/>
+          <a:off x="4045892" y="1029"/>
+          <a:ext cx="1330523" cy="665261"/>
         </a:xfrm>
         <a:prstGeom prst="roundRect">
           <a:avLst>
@@ -2964,12 +3153,12 @@
         </a:fontRef>
       </dsp:style>
       <dsp:txBody>
-        <a:bodyPr spcFirstLastPara="0" vert="horz" wrap="square" lIns="28575" tIns="19050" rIns="28575" bIns="19050" numCol="1" spcCol="1270" anchor="ctr" anchorCtr="0">
+        <a:bodyPr spcFirstLastPara="0" vert="horz" wrap="square" lIns="26670" tIns="17780" rIns="26670" bIns="17780" numCol="1" spcCol="1270" anchor="ctr" anchorCtr="0">
           <a:noAutofit/>
         </a:bodyPr>
         <a:lstStyle/>
         <a:p>
-          <a:pPr marL="0" lvl="0" indent="0" algn="ctr" defTabSz="666750">
+          <a:pPr marL="0" lvl="0" indent="0" algn="ctr" defTabSz="622300">
             <a:lnSpc>
               <a:spcPct val="90000"/>
             </a:lnSpc>
@@ -2982,14 +3171,14 @@
             <a:buNone/>
           </a:pPr>
           <a:r>
-            <a:rPr lang="en-US" sz="1500" kern="1200" dirty="0"/>
+            <a:rPr lang="en-US" sz="1400" kern="1200" dirty="0"/>
             <a:t>Object-Oriented Programming</a:t>
           </a:r>
         </a:p>
       </dsp:txBody>
       <dsp:txXfrm>
-        <a:off x="4148451" y="21324"/>
-        <a:ext cx="1397015" cy="677431"/>
+        <a:off x="4065377" y="20514"/>
+        <a:ext cx="1291553" cy="626291"/>
       </dsp:txXfrm>
     </dsp:sp>
     <dsp:sp modelId="{278D3975-9588-4A95-85BD-D062BB0AE1A4}">
@@ -2999,8 +3188,8 @@
       </dsp:nvSpPr>
       <dsp:spPr>
         <a:xfrm>
-          <a:off x="4271292" y="719832"/>
-          <a:ext cx="143916" cy="539687"/>
+          <a:off x="4178944" y="666290"/>
+          <a:ext cx="133052" cy="498946"/>
         </a:xfrm>
         <a:custGeom>
           <a:avLst/>
@@ -3014,10 +3203,10 @@
                 <a:pt x="0" y="0"/>
               </a:moveTo>
               <a:lnTo>
-                <a:pt x="0" y="539687"/>
+                <a:pt x="0" y="498946"/>
               </a:lnTo>
               <a:lnTo>
-                <a:pt x="143916" y="539687"/>
+                <a:pt x="133052" y="498946"/>
               </a:lnTo>
             </a:path>
           </a:pathLst>
@@ -3057,8 +3246,8 @@
       </dsp:nvSpPr>
       <dsp:spPr>
         <a:xfrm>
-          <a:off x="4415209" y="899728"/>
-          <a:ext cx="1151334" cy="719583"/>
+          <a:off x="4311997" y="832606"/>
+          <a:ext cx="1064418" cy="665261"/>
         </a:xfrm>
         <a:prstGeom prst="roundRect">
           <a:avLst>
@@ -3100,12 +3289,12 @@
         <a:fontRef idx="minor"/>
       </dsp:style>
       <dsp:txBody>
-        <a:bodyPr spcFirstLastPara="0" vert="horz" wrap="square" lIns="28575" tIns="19050" rIns="28575" bIns="19050" numCol="1" spcCol="1270" anchor="ctr" anchorCtr="0">
+        <a:bodyPr spcFirstLastPara="0" vert="horz" wrap="square" lIns="20955" tIns="13970" rIns="20955" bIns="13970" numCol="1" spcCol="1270" anchor="ctr" anchorCtr="0">
           <a:noAutofit/>
         </a:bodyPr>
         <a:lstStyle/>
         <a:p>
-          <a:pPr marL="0" lvl="0" indent="0" algn="ctr" defTabSz="666750">
+          <a:pPr marL="0" lvl="0" indent="0" algn="ctr" defTabSz="488950">
             <a:lnSpc>
               <a:spcPct val="90000"/>
             </a:lnSpc>
@@ -3118,14 +3307,14 @@
             <a:buNone/>
           </a:pPr>
           <a:r>
-            <a:rPr lang="en-US" sz="1500" kern="1200" dirty="0"/>
+            <a:rPr lang="en-US" sz="1100" kern="1200" dirty="0"/>
             <a:t>Interfaces and Classes</a:t>
           </a:r>
         </a:p>
       </dsp:txBody>
       <dsp:txXfrm>
-        <a:off x="4436285" y="920804"/>
-        <a:ext cx="1109182" cy="677431"/>
+        <a:off x="4331482" y="852091"/>
+        <a:ext cx="1025448" cy="626291"/>
       </dsp:txXfrm>
     </dsp:sp>
     <dsp:sp modelId="{FF100697-267A-4BC5-8DA9-B1F7321DFE84}">
@@ -3135,8 +3324,8 @@
       </dsp:nvSpPr>
       <dsp:spPr>
         <a:xfrm>
-          <a:off x="4271292" y="719832"/>
-          <a:ext cx="143916" cy="1439167"/>
+          <a:off x="4178944" y="666290"/>
+          <a:ext cx="133052" cy="1330523"/>
         </a:xfrm>
         <a:custGeom>
           <a:avLst/>
@@ -3150,10 +3339,10 @@
                 <a:pt x="0" y="0"/>
               </a:moveTo>
               <a:lnTo>
-                <a:pt x="0" y="1439167"/>
+                <a:pt x="0" y="1330523"/>
               </a:lnTo>
               <a:lnTo>
-                <a:pt x="143916" y="1439167"/>
+                <a:pt x="133052" y="1330523"/>
               </a:lnTo>
             </a:path>
           </a:pathLst>
@@ -3193,8 +3382,8 @@
       </dsp:nvSpPr>
       <dsp:spPr>
         <a:xfrm>
-          <a:off x="4415209" y="1799208"/>
-          <a:ext cx="1151334" cy="719583"/>
+          <a:off x="4311997" y="1664183"/>
+          <a:ext cx="1064418" cy="665261"/>
         </a:xfrm>
         <a:prstGeom prst="roundRect">
           <a:avLst>
@@ -3236,12 +3425,12 @@
         <a:fontRef idx="minor"/>
       </dsp:style>
       <dsp:txBody>
-        <a:bodyPr spcFirstLastPara="0" vert="horz" wrap="square" lIns="28575" tIns="19050" rIns="28575" bIns="19050" numCol="1" spcCol="1270" anchor="ctr" anchorCtr="0">
+        <a:bodyPr spcFirstLastPara="0" vert="horz" wrap="square" lIns="20955" tIns="13970" rIns="20955" bIns="13970" numCol="1" spcCol="1270" anchor="ctr" anchorCtr="0">
           <a:noAutofit/>
         </a:bodyPr>
         <a:lstStyle/>
         <a:p>
-          <a:pPr marL="0" lvl="0" indent="0" algn="ctr" defTabSz="666750">
+          <a:pPr marL="0" lvl="0" indent="0" algn="ctr" defTabSz="488950">
             <a:lnSpc>
               <a:spcPct val="90000"/>
             </a:lnSpc>
@@ -3254,14 +3443,14 @@
             <a:buNone/>
           </a:pPr>
           <a:r>
-            <a:rPr lang="en-US" sz="1500" kern="1200" dirty="0"/>
+            <a:rPr lang="en-US" sz="1100" kern="1200" dirty="0"/>
             <a:t>Inheritance</a:t>
           </a:r>
         </a:p>
       </dsp:txBody>
       <dsp:txXfrm>
-        <a:off x="4436285" y="1820284"/>
-        <a:ext cx="1109182" cy="677431"/>
+        <a:off x="4331482" y="1683668"/>
+        <a:ext cx="1025448" cy="626291"/>
       </dsp:txXfrm>
     </dsp:sp>
     <dsp:sp modelId="{6B27DFF3-3021-4E99-BF73-829A6255425D}">
@@ -3271,8 +3460,8 @@
       </dsp:nvSpPr>
       <dsp:spPr>
         <a:xfrm>
-          <a:off x="4271292" y="719832"/>
-          <a:ext cx="143916" cy="2338647"/>
+          <a:off x="4178944" y="666290"/>
+          <a:ext cx="133052" cy="2162100"/>
         </a:xfrm>
         <a:custGeom>
           <a:avLst/>
@@ -3286,10 +3475,10 @@
                 <a:pt x="0" y="0"/>
               </a:moveTo>
               <a:lnTo>
-                <a:pt x="0" y="2338647"/>
+                <a:pt x="0" y="2162100"/>
               </a:lnTo>
               <a:lnTo>
-                <a:pt x="143916" y="2338647"/>
+                <a:pt x="133052" y="2162100"/>
               </a:lnTo>
             </a:path>
           </a:pathLst>
@@ -3329,8 +3518,8 @@
       </dsp:nvSpPr>
       <dsp:spPr>
         <a:xfrm>
-          <a:off x="4415209" y="2698687"/>
-          <a:ext cx="1151334" cy="719583"/>
+          <a:off x="4311997" y="2495760"/>
+          <a:ext cx="1064418" cy="665261"/>
         </a:xfrm>
         <a:prstGeom prst="roundRect">
           <a:avLst>
@@ -3372,12 +3561,12 @@
         <a:fontRef idx="minor"/>
       </dsp:style>
       <dsp:txBody>
-        <a:bodyPr spcFirstLastPara="0" vert="horz" wrap="square" lIns="28575" tIns="19050" rIns="28575" bIns="19050" numCol="1" spcCol="1270" anchor="ctr" anchorCtr="0">
+        <a:bodyPr spcFirstLastPara="0" vert="horz" wrap="square" lIns="20955" tIns="13970" rIns="20955" bIns="13970" numCol="1" spcCol="1270" anchor="ctr" anchorCtr="0">
           <a:noAutofit/>
         </a:bodyPr>
         <a:lstStyle/>
         <a:p>
-          <a:pPr marL="0" lvl="0" indent="0" algn="ctr" defTabSz="666750">
+          <a:pPr marL="0" lvl="0" indent="0" algn="ctr" defTabSz="488950">
             <a:lnSpc>
               <a:spcPct val="90000"/>
             </a:lnSpc>
@@ -3390,14 +3579,14 @@
             <a:buNone/>
           </a:pPr>
           <a:r>
-            <a:rPr lang="en-US" sz="1500" kern="1200" dirty="0"/>
+            <a:rPr lang="en-US" sz="1100" kern="1200" dirty="0"/>
             <a:t>Objects with Mutable State</a:t>
           </a:r>
         </a:p>
       </dsp:txBody>
       <dsp:txXfrm>
-        <a:off x="4436285" y="2719763"/>
-        <a:ext cx="1109182" cy="677431"/>
+        <a:off x="4331482" y="2515245"/>
+        <a:ext cx="1025448" cy="626291"/>
       </dsp:txXfrm>
     </dsp:sp>
     <dsp:sp modelId="{E8A2D34D-9B35-4804-BD08-DC4453907292}">
@@ -3407,8 +3596,8 @@
       </dsp:nvSpPr>
       <dsp:spPr>
         <a:xfrm>
-          <a:off x="4271292" y="719832"/>
-          <a:ext cx="143916" cy="3238127"/>
+          <a:off x="4178944" y="666290"/>
+          <a:ext cx="133052" cy="2993677"/>
         </a:xfrm>
         <a:custGeom>
           <a:avLst/>
@@ -3422,10 +3611,10 @@
                 <a:pt x="0" y="0"/>
               </a:moveTo>
               <a:lnTo>
-                <a:pt x="0" y="3238127"/>
+                <a:pt x="0" y="2993677"/>
               </a:lnTo>
               <a:lnTo>
-                <a:pt x="143916" y="3238127"/>
+                <a:pt x="133052" y="2993677"/>
               </a:lnTo>
             </a:path>
           </a:pathLst>
@@ -3465,8 +3654,8 @@
       </dsp:nvSpPr>
       <dsp:spPr>
         <a:xfrm>
-          <a:off x="4415209" y="3598167"/>
-          <a:ext cx="1151334" cy="719583"/>
+          <a:off x="4311997" y="3327337"/>
+          <a:ext cx="1064418" cy="665261"/>
         </a:xfrm>
         <a:prstGeom prst="roundRect">
           <a:avLst>
@@ -3508,12 +3697,12 @@
         <a:fontRef idx="minor"/>
       </dsp:style>
       <dsp:txBody>
-        <a:bodyPr spcFirstLastPara="0" vert="horz" wrap="square" lIns="28575" tIns="19050" rIns="28575" bIns="19050" numCol="1" spcCol="1270" anchor="ctr" anchorCtr="0">
+        <a:bodyPr spcFirstLastPara="0" vert="horz" wrap="square" lIns="20955" tIns="13970" rIns="20955" bIns="13970" numCol="1" spcCol="1270" anchor="ctr" anchorCtr="0">
           <a:noAutofit/>
         </a:bodyPr>
         <a:lstStyle/>
         <a:p>
-          <a:pPr marL="0" lvl="0" indent="0" algn="ctr" defTabSz="666750">
+          <a:pPr marL="0" lvl="0" indent="0" algn="ctr" defTabSz="488950">
             <a:lnSpc>
               <a:spcPct val="90000"/>
             </a:lnSpc>
@@ -3526,14 +3715,14 @@
             <a:buNone/>
           </a:pPr>
           <a:r>
-            <a:rPr lang="en-US" sz="1500" kern="1200" dirty="0"/>
+            <a:rPr lang="en-US" sz="1100" kern="1200" dirty="0"/>
             <a:t>Efficiency, Part 2</a:t>
           </a:r>
         </a:p>
       </dsp:txBody>
       <dsp:txXfrm>
-        <a:off x="4436285" y="3619243"/>
-        <a:ext cx="1109182" cy="677431"/>
+        <a:off x="4331482" y="3346822"/>
+        <a:ext cx="1025448" cy="626291"/>
       </dsp:txXfrm>
     </dsp:sp>
   </dsp:spTree>
@@ -4949,7 +5138,7 @@
             <a:fld id="{F428509D-A83E-4130-9123-C9B4F5E9EE37}" type="datetimeFigureOut">
               <a:rPr lang="en-US" smtClean="0"/>
               <a:pPr/>
-              <a:t>8/11/2017</a:t>
+              <a:t>8/28/2017</a:t>
             </a:fld>
             <a:endParaRPr lang="en-US"/>
           </a:p>
@@ -5116,7 +5305,7 @@
             <a:fld id="{ACC16E80-119B-43B5-8043-B652C91D44CD}" type="datetimeFigureOut">
               <a:rPr lang="en-US" smtClean="0"/>
               <a:pPr/>
-              <a:t>8/11/2017</a:t>
+              <a:t>8/28/2017</a:t>
             </a:fld>
             <a:endParaRPr lang="en-US"/>
           </a:p>
@@ -5544,7 +5733,7 @@
             <a:fld id="{6048B3DE-E9CD-4720-84B6-E24D30E64DE7}" type="slidenum">
               <a:rPr lang="en-US" smtClean="0"/>
               <a:pPr/>
-              <a:t>18</a:t>
+              <a:t>17</a:t>
             </a:fld>
             <a:endParaRPr lang="en-US"/>
           </a:p>
@@ -5553,7 +5742,7 @@
     </p:spTree>
     <p:extLst>
       <p:ext uri="{BB962C8B-B14F-4D97-AF65-F5344CB8AC3E}">
-        <p14:creationId xmlns:p14="http://schemas.microsoft.com/office/powerpoint/2010/main" val="941025782"/>
+        <p14:creationId xmlns:p14="http://schemas.microsoft.com/office/powerpoint/2010/main" val="346815828"/>
       </p:ext>
     </p:extLst>
   </p:cSld>
@@ -5631,7 +5820,7 @@
             <a:fld id="{6048B3DE-E9CD-4720-84B6-E24D30E64DE7}" type="slidenum">
               <a:rPr lang="en-US" smtClean="0"/>
               <a:pPr/>
-              <a:t>20</a:t>
+              <a:t>18</a:t>
             </a:fld>
             <a:endParaRPr lang="en-US"/>
           </a:p>
@@ -5640,7 +5829,7 @@
     </p:spTree>
     <p:extLst>
       <p:ext uri="{BB962C8B-B14F-4D97-AF65-F5344CB8AC3E}">
-        <p14:creationId xmlns:p14="http://schemas.microsoft.com/office/powerpoint/2010/main" val="4008479041"/>
+        <p14:creationId xmlns:p14="http://schemas.microsoft.com/office/powerpoint/2010/main" val="941025782"/>
       </p:ext>
     </p:extLst>
   </p:cSld>
@@ -5718,7 +5907,7 @@
             <a:fld id="{6048B3DE-E9CD-4720-84B6-E24D30E64DE7}" type="slidenum">
               <a:rPr lang="en-US" smtClean="0"/>
               <a:pPr/>
-              <a:t>21</a:t>
+              <a:t>20</a:t>
             </a:fld>
             <a:endParaRPr lang="en-US"/>
           </a:p>
@@ -5727,7 +5916,7 @@
     </p:spTree>
     <p:extLst>
       <p:ext uri="{BB962C8B-B14F-4D97-AF65-F5344CB8AC3E}">
-        <p14:creationId xmlns:p14="http://schemas.microsoft.com/office/powerpoint/2010/main" val="381589088"/>
+        <p14:creationId xmlns:p14="http://schemas.microsoft.com/office/powerpoint/2010/main" val="4008479041"/>
       </p:ext>
     </p:extLst>
   </p:cSld>
@@ -5805,7 +5994,7 @@
             <a:fld id="{6048B3DE-E9CD-4720-84B6-E24D30E64DE7}" type="slidenum">
               <a:rPr lang="en-US" smtClean="0"/>
               <a:pPr/>
-              <a:t>22</a:t>
+              <a:t>21</a:t>
             </a:fld>
             <a:endParaRPr lang="en-US"/>
           </a:p>
@@ -5814,7 +6003,7 @@
     </p:spTree>
     <p:extLst>
       <p:ext uri="{BB962C8B-B14F-4D97-AF65-F5344CB8AC3E}">
-        <p14:creationId xmlns:p14="http://schemas.microsoft.com/office/powerpoint/2010/main" val="1648538829"/>
+        <p14:creationId xmlns:p14="http://schemas.microsoft.com/office/powerpoint/2010/main" val="381589088"/>
       </p:ext>
     </p:extLst>
   </p:cSld>
@@ -5892,7 +6081,7 @@
             <a:fld id="{6048B3DE-E9CD-4720-84B6-E24D30E64DE7}" type="slidenum">
               <a:rPr lang="en-US" smtClean="0"/>
               <a:pPr/>
-              <a:t>23</a:t>
+              <a:t>22</a:t>
             </a:fld>
             <a:endParaRPr lang="en-US"/>
           </a:p>
@@ -5901,7 +6090,7 @@
     </p:spTree>
     <p:extLst>
       <p:ext uri="{BB962C8B-B14F-4D97-AF65-F5344CB8AC3E}">
-        <p14:creationId xmlns:p14="http://schemas.microsoft.com/office/powerpoint/2010/main" val="3557699205"/>
+        <p14:creationId xmlns:p14="http://schemas.microsoft.com/office/powerpoint/2010/main" val="1648538829"/>
       </p:ext>
     </p:extLst>
   </p:cSld>
@@ -5979,6 +6168,93 @@
             <a:fld id="{6048B3DE-E9CD-4720-84B6-E24D30E64DE7}" type="slidenum">
               <a:rPr lang="en-US" smtClean="0"/>
               <a:pPr/>
+              <a:t>23</a:t>
+            </a:fld>
+            <a:endParaRPr lang="en-US"/>
+          </a:p>
+        </p:txBody>
+      </p:sp>
+    </p:spTree>
+    <p:extLst>
+      <p:ext uri="{BB962C8B-B14F-4D97-AF65-F5344CB8AC3E}">
+        <p14:creationId xmlns:p14="http://schemas.microsoft.com/office/powerpoint/2010/main" val="3557699205"/>
+      </p:ext>
+    </p:extLst>
+  </p:cSld>
+  <p:clrMapOvr>
+    <a:masterClrMapping/>
+  </p:clrMapOvr>
+</p:notes>
+</file>
+
+<file path=ppt/notesSlides/notesSlide16.xml><?xml version="1.0" encoding="utf-8"?>
+<p:notes xmlns:a="http://schemas.openxmlformats.org/drawingml/2006/main" xmlns:r="http://schemas.openxmlformats.org/officeDocument/2006/relationships" xmlns:p="http://schemas.openxmlformats.org/presentationml/2006/main">
+  <p:cSld>
+    <p:spTree>
+      <p:nvGrpSpPr>
+        <p:cNvPr id="1" name=""/>
+        <p:cNvGrpSpPr/>
+        <p:nvPr/>
+      </p:nvGrpSpPr>
+      <p:grpSpPr>
+        <a:xfrm>
+          <a:off x="0" y="0"/>
+          <a:ext cx="0" cy="0"/>
+          <a:chOff x="0" y="0"/>
+          <a:chExt cx="0" cy="0"/>
+        </a:xfrm>
+      </p:grpSpPr>
+      <p:sp>
+        <p:nvSpPr>
+          <p:cNvPr id="2" name="Slide Image Placeholder 1"/>
+          <p:cNvSpPr>
+            <a:spLocks noGrp="1" noRot="1" noChangeAspect="1"/>
+          </p:cNvSpPr>
+          <p:nvPr>
+            <p:ph type="sldImg"/>
+          </p:nvPr>
+        </p:nvSpPr>
+        <p:spPr/>
+      </p:sp>
+      <p:sp>
+        <p:nvSpPr>
+          <p:cNvPr id="3" name="Notes Placeholder 2"/>
+          <p:cNvSpPr>
+            <a:spLocks noGrp="1"/>
+          </p:cNvSpPr>
+          <p:nvPr>
+            <p:ph type="body" idx="1"/>
+          </p:nvPr>
+        </p:nvSpPr>
+        <p:spPr/>
+        <p:txBody>
+          <a:bodyPr>
+            <a:normAutofit/>
+          </a:bodyPr>
+          <a:lstStyle/>
+          <a:p>
+            <a:endParaRPr lang="en-US" dirty="0"/>
+          </a:p>
+        </p:txBody>
+      </p:sp>
+      <p:sp>
+        <p:nvSpPr>
+          <p:cNvPr id="4" name="Slide Number Placeholder 3"/>
+          <p:cNvSpPr>
+            <a:spLocks noGrp="1"/>
+          </p:cNvSpPr>
+          <p:nvPr>
+            <p:ph type="sldNum" sz="quarter" idx="10"/>
+          </p:nvPr>
+        </p:nvSpPr>
+        <p:spPr/>
+        <p:txBody>
+          <a:bodyPr/>
+          <a:lstStyle/>
+          <a:p>
+            <a:fld id="{6048B3DE-E9CD-4720-84B6-E24D30E64DE7}" type="slidenum">
+              <a:rPr lang="en-US" smtClean="0"/>
+              <a:pPr/>
               <a:t>24</a:t>
             </a:fld>
             <a:endParaRPr lang="en-US"/>
@@ -5998,7 +6274,7 @@
 </p:notes>
 </file>
 
-<file path=ppt/notesSlides/notesSlide16.xml><?xml version="1.0" encoding="utf-8"?>
+<file path=ppt/notesSlides/notesSlide17.xml><?xml version="1.0" encoding="utf-8"?>
 <p:notes xmlns:a="http://schemas.openxmlformats.org/drawingml/2006/main" xmlns:r="http://schemas.openxmlformats.org/officeDocument/2006/relationships" xmlns:p="http://schemas.openxmlformats.org/presentationml/2006/main">
   <p:cSld>
     <p:spTree>
@@ -6129,10 +6405,7 @@
           <a:bodyPr/>
           <a:lstStyle/>
           <a:p>
-            <a:r>
-              <a:rPr lang="en-US" dirty="0"/>
-              <a:t>Here is the function design recipe.  </a:t>
-            </a:r>
+            <a:endParaRPr lang="en-US" dirty="0"/>
           </a:p>
         </p:txBody>
       </p:sp>
@@ -6154,7 +6427,7 @@
             <a:fld id="{6048B3DE-E9CD-4720-84B6-E24D30E64DE7}" type="slidenum">
               <a:rPr lang="en-US" smtClean="0"/>
               <a:pPr/>
-              <a:t>5</a:t>
+              <a:t>2</a:t>
             </a:fld>
             <a:endParaRPr lang="en-US"/>
           </a:p>
@@ -6163,7 +6436,7 @@
     </p:spTree>
     <p:extLst>
       <p:ext uri="{BB962C8B-B14F-4D97-AF65-F5344CB8AC3E}">
-        <p14:creationId xmlns:p14="http://schemas.microsoft.com/office/powerpoint/2010/main" val="3683848936"/>
+        <p14:creationId xmlns:p14="http://schemas.microsoft.com/office/powerpoint/2010/main" val="2252890871"/>
       </p:ext>
     </p:extLst>
   </p:cSld>
@@ -6214,71 +6487,12 @@
         </p:nvSpPr>
         <p:spPr/>
         <p:txBody>
-          <a:bodyPr>
-            <a:normAutofit/>
-          </a:bodyPr>
+          <a:bodyPr/>
           <a:lstStyle/>
           <a:p>
             <a:r>
               <a:rPr lang="en-US" dirty="0"/>
-              <a:t>The first step is Information Analysis and Data Design.</a:t>
-            </a:r>
-          </a:p>
-          <a:p>
-            <a:endParaRPr lang="en-US" dirty="0"/>
-          </a:p>
-          <a:p>
-            <a:pPr marL="0" marR="0" indent="0" algn="l" defTabSz="914400" rtl="0" eaLnBrk="1" fontAlgn="auto" latinLnBrk="0" hangingPunct="1">
-              <a:lnSpc>
-                <a:spcPct val="100000"/>
-              </a:lnSpc>
-              <a:spcBef>
-                <a:spcPts val="0"/>
-              </a:spcBef>
-              <a:spcAft>
-                <a:spcPts val="0"/>
-              </a:spcAft>
-              <a:buClrTx/>
-              <a:buSzTx/>
-              <a:buFontTx/>
-              <a:buNone/>
-              <a:tabLst/>
-              <a:defRPr/>
-            </a:pPr>
-            <a:r>
-              <a:rPr lang="en-US" dirty="0"/>
-              <a:t>To understand</a:t>
-            </a:r>
-            <a:r>
-              <a:rPr lang="en-US" baseline="0" dirty="0"/>
-              <a:t> this step, we need to understand the difference between information and data.  In this course, we use the word “information” to mean information about the real world. We use the word “data” to mean the way that information is represented in my computer program.</a:t>
-            </a:r>
-          </a:p>
-          <a:p>
-            <a:endParaRPr lang="en-US" baseline="0" dirty="0"/>
-          </a:p>
-          <a:p>
-            <a:r>
-              <a:rPr lang="en-US" baseline="0" dirty="0"/>
-              <a:t>For example, right now I am wearing a red shirt.  That’s information.  I can represent that information by a string, say “rouge”.  That’s data.  (I chose “rouge” rather than “red” because my customer is French!).</a:t>
-            </a:r>
-          </a:p>
-          <a:p>
-            <a:endParaRPr lang="en-US" baseline="0" dirty="0"/>
-          </a:p>
-          <a:p>
-            <a:r>
-              <a:rPr lang="en-US" baseline="0" dirty="0"/>
-              <a:t>In any application, we need to decide what part of all the information in the world needs to be represented as data, and exactly how it will be represented. </a:t>
-            </a:r>
-          </a:p>
-          <a:p>
-            <a:endParaRPr lang="en-US" baseline="0" dirty="0"/>
-          </a:p>
-          <a:p>
-            <a:r>
-              <a:rPr lang="en-US" baseline="0" dirty="0"/>
-              <a:t>And we need to document that representation so that others can understand our program (remember, programs are meant to be read by people!)</a:t>
+              <a:t>Here is the function design recipe.  </a:t>
             </a:r>
           </a:p>
         </p:txBody>
@@ -6301,7 +6515,7 @@
             <a:fld id="{6048B3DE-E9CD-4720-84B6-E24D30E64DE7}" type="slidenum">
               <a:rPr lang="en-US" smtClean="0"/>
               <a:pPr/>
-              <a:t>9</a:t>
+              <a:t>5</a:t>
             </a:fld>
             <a:endParaRPr lang="en-US"/>
           </a:p>
@@ -6310,7 +6524,7 @@
     </p:spTree>
     <p:extLst>
       <p:ext uri="{BB962C8B-B14F-4D97-AF65-F5344CB8AC3E}">
-        <p14:creationId xmlns:p14="http://schemas.microsoft.com/office/powerpoint/2010/main" val="1254396233"/>
+        <p14:creationId xmlns:p14="http://schemas.microsoft.com/office/powerpoint/2010/main" val="3683848936"/>
       </p:ext>
     </p:extLst>
   </p:cSld>
@@ -6368,16 +6582,64 @@
           <a:p>
             <a:r>
               <a:rPr lang="en-US" dirty="0"/>
-              <a:t>Information is represented as Data</a:t>
+              <a:t>The first step is Information Analysis and Data Design.</a:t>
             </a:r>
           </a:p>
           <a:p>
             <a:endParaRPr lang="en-US" dirty="0"/>
           </a:p>
           <a:p>
+            <a:pPr marL="0" marR="0" indent="0" algn="l" defTabSz="914400" rtl="0" eaLnBrk="1" fontAlgn="auto" latinLnBrk="0" hangingPunct="1">
+              <a:lnSpc>
+                <a:spcPct val="100000"/>
+              </a:lnSpc>
+              <a:spcBef>
+                <a:spcPts val="0"/>
+              </a:spcBef>
+              <a:spcAft>
+                <a:spcPts val="0"/>
+              </a:spcAft>
+              <a:buClrTx/>
+              <a:buSzTx/>
+              <a:buFontTx/>
+              <a:buNone/>
+              <a:tabLst/>
+              <a:defRPr/>
+            </a:pPr>
             <a:r>
               <a:rPr lang="en-US" dirty="0"/>
-              <a:t>Data is interpreted as Information</a:t>
+              <a:t>To understand</a:t>
+            </a:r>
+            <a:r>
+              <a:rPr lang="en-US" baseline="0" dirty="0"/>
+              <a:t> this step, we need to understand the difference between information and data.  In this course, we use the word “information” to mean information about the real world. We use the word “data” to mean the way that information is represented in my computer program.</a:t>
+            </a:r>
+          </a:p>
+          <a:p>
+            <a:endParaRPr lang="en-US" baseline="0" dirty="0"/>
+          </a:p>
+          <a:p>
+            <a:r>
+              <a:rPr lang="en-US" baseline="0" dirty="0"/>
+              <a:t>For example, right now I am wearing a red shirt.  That’s information.  I can represent that information by a string, say “rouge”.  That’s data.  (I chose “rouge” rather than “red” because my customer is French!).</a:t>
+            </a:r>
+          </a:p>
+          <a:p>
+            <a:endParaRPr lang="en-US" baseline="0" dirty="0"/>
+          </a:p>
+          <a:p>
+            <a:r>
+              <a:rPr lang="en-US" baseline="0" dirty="0"/>
+              <a:t>In any application, we need to decide what part of all the information in the world needs to be represented as data, and exactly how it will be represented. </a:t>
+            </a:r>
+          </a:p>
+          <a:p>
+            <a:endParaRPr lang="en-US" baseline="0" dirty="0"/>
+          </a:p>
+          <a:p>
+            <a:r>
+              <a:rPr lang="en-US" baseline="0" dirty="0"/>
+              <a:t>And we need to document that representation so that others can understand our program (remember, programs are meant to be read by people!)</a:t>
             </a:r>
           </a:p>
         </p:txBody>
@@ -6400,7 +6662,7 @@
             <a:fld id="{6048B3DE-E9CD-4720-84B6-E24D30E64DE7}" type="slidenum">
               <a:rPr lang="en-US" smtClean="0"/>
               <a:pPr/>
-              <a:t>10</a:t>
+              <a:t>9</a:t>
             </a:fld>
             <a:endParaRPr lang="en-US"/>
           </a:p>
@@ -6409,7 +6671,7 @@
     </p:spTree>
     <p:extLst>
       <p:ext uri="{BB962C8B-B14F-4D97-AF65-F5344CB8AC3E}">
-        <p14:creationId xmlns:p14="http://schemas.microsoft.com/office/powerpoint/2010/main" val="2791385957"/>
+        <p14:creationId xmlns:p14="http://schemas.microsoft.com/office/powerpoint/2010/main" val="1254396233"/>
       </p:ext>
     </p:extLst>
   </p:cSld>
@@ -6499,7 +6761,7 @@
             <a:fld id="{6048B3DE-E9CD-4720-84B6-E24D30E64DE7}" type="slidenum">
               <a:rPr lang="en-US" smtClean="0"/>
               <a:pPr/>
-              <a:t>11</a:t>
+              <a:t>10</a:t>
             </a:fld>
             <a:endParaRPr lang="en-US"/>
           </a:p>
@@ -6508,7 +6770,7 @@
     </p:spTree>
     <p:extLst>
       <p:ext uri="{BB962C8B-B14F-4D97-AF65-F5344CB8AC3E}">
-        <p14:creationId xmlns:p14="http://schemas.microsoft.com/office/powerpoint/2010/main" val="2448797114"/>
+        <p14:creationId xmlns:p14="http://schemas.microsoft.com/office/powerpoint/2010/main" val="2791385957"/>
       </p:ext>
     </p:extLst>
   </p:cSld>
@@ -6598,7 +6860,7 @@
             <a:fld id="{6048B3DE-E9CD-4720-84B6-E24D30E64DE7}" type="slidenum">
               <a:rPr lang="en-US" smtClean="0"/>
               <a:pPr/>
-              <a:t>12</a:t>
+              <a:t>11</a:t>
             </a:fld>
             <a:endParaRPr lang="en-US"/>
           </a:p>
@@ -6607,7 +6869,7 @@
     </p:spTree>
     <p:extLst>
       <p:ext uri="{BB962C8B-B14F-4D97-AF65-F5344CB8AC3E}">
-        <p14:creationId xmlns:p14="http://schemas.microsoft.com/office/powerpoint/2010/main" val="3197104917"/>
+        <p14:creationId xmlns:p14="http://schemas.microsoft.com/office/powerpoint/2010/main" val="2448797114"/>
       </p:ext>
     </p:extLst>
   </p:cSld>
@@ -6663,7 +6925,19 @@
           </a:bodyPr>
           <a:lstStyle/>
           <a:p>
+            <a:r>
+              <a:rPr lang="en-US" dirty="0"/>
+              <a:t>Information is represented as Data</a:t>
+            </a:r>
+          </a:p>
+          <a:p>
             <a:endParaRPr lang="en-US" dirty="0"/>
+          </a:p>
+          <a:p>
+            <a:r>
+              <a:rPr lang="en-US" dirty="0"/>
+              <a:t>Data is interpreted as Information</a:t>
+            </a:r>
           </a:p>
         </p:txBody>
       </p:sp>
@@ -6685,7 +6959,7 @@
             <a:fld id="{6048B3DE-E9CD-4720-84B6-E24D30E64DE7}" type="slidenum">
               <a:rPr lang="en-US" smtClean="0"/>
               <a:pPr/>
-              <a:t>15</a:t>
+              <a:t>12</a:t>
             </a:fld>
             <a:endParaRPr lang="en-US"/>
           </a:p>
@@ -6694,7 +6968,7 @@
     </p:spTree>
     <p:extLst>
       <p:ext uri="{BB962C8B-B14F-4D97-AF65-F5344CB8AC3E}">
-        <p14:creationId xmlns:p14="http://schemas.microsoft.com/office/powerpoint/2010/main" val="2541650794"/>
+        <p14:creationId xmlns:p14="http://schemas.microsoft.com/office/powerpoint/2010/main" val="3197104917"/>
       </p:ext>
     </p:extLst>
   </p:cSld>
@@ -6772,7 +7046,7 @@
             <a:fld id="{6048B3DE-E9CD-4720-84B6-E24D30E64DE7}" type="slidenum">
               <a:rPr lang="en-US" smtClean="0"/>
               <a:pPr/>
-              <a:t>16</a:t>
+              <a:t>15</a:t>
             </a:fld>
             <a:endParaRPr lang="en-US"/>
           </a:p>
@@ -6781,7 +7055,7 @@
     </p:spTree>
     <p:extLst>
       <p:ext uri="{BB962C8B-B14F-4D97-AF65-F5344CB8AC3E}">
-        <p14:creationId xmlns:p14="http://schemas.microsoft.com/office/powerpoint/2010/main" val="3076487710"/>
+        <p14:creationId xmlns:p14="http://schemas.microsoft.com/office/powerpoint/2010/main" val="2541650794"/>
       </p:ext>
     </p:extLst>
   </p:cSld>
@@ -6859,7 +7133,7 @@
             <a:fld id="{6048B3DE-E9CD-4720-84B6-E24D30E64DE7}" type="slidenum">
               <a:rPr lang="en-US" smtClean="0"/>
               <a:pPr/>
-              <a:t>17</a:t>
+              <a:t>16</a:t>
             </a:fld>
             <a:endParaRPr lang="en-US"/>
           </a:p>
@@ -6868,7 +7142,7 @@
     </p:spTree>
     <p:extLst>
       <p:ext uri="{BB962C8B-B14F-4D97-AF65-F5344CB8AC3E}">
-        <p14:creationId xmlns:p14="http://schemas.microsoft.com/office/powerpoint/2010/main" val="346815828"/>
+        <p14:creationId xmlns:p14="http://schemas.microsoft.com/office/powerpoint/2010/main" val="3076487710"/>
       </p:ext>
     </p:extLst>
   </p:cSld>
@@ -7058,7 +7332,7 @@
             <a:fld id="{995A3EAA-2ADF-4730-8F37-D322F0FCA6F7}" type="datetime1">
               <a:rPr lang="en-US" smtClean="0"/>
               <a:pPr/>
-              <a:t>8/11/2017</a:t>
+              <a:t>8/28/2017</a:t>
             </a:fld>
             <a:endParaRPr lang="en-US"/>
           </a:p>
@@ -7307,7 +7581,7 @@
             <a:fld id="{9A46249C-EA92-4608-8FCA-65260396BA27}" type="datetime1">
               <a:rPr lang="en-US" smtClean="0"/>
               <a:pPr/>
-              <a:t>8/11/2017</a:t>
+              <a:t>8/28/2017</a:t>
             </a:fld>
             <a:endParaRPr lang="en-US"/>
           </a:p>
@@ -7472,7 +7746,7 @@
             <a:fld id="{E98573EB-F81F-45A8-8502-B7F241F6310C}" type="datetime1">
               <a:rPr lang="en-US" smtClean="0"/>
               <a:pPr/>
-              <a:t>8/11/2017</a:t>
+              <a:t>8/28/2017</a:t>
             </a:fld>
             <a:endParaRPr lang="en-US"/>
           </a:p>
@@ -7647,7 +7921,7 @@
             <a:fld id="{D3B68F27-4D23-4B43-9126-090EEA2632D9}" type="datetime1">
               <a:rPr lang="en-US" smtClean="0"/>
               <a:pPr/>
-              <a:t>8/11/2017</a:t>
+              <a:t>8/28/2017</a:t>
             </a:fld>
             <a:endParaRPr lang="en-US"/>
           </a:p>
@@ -7883,7 +8157,7 @@
           <a:p>
             <a:fld id="{2F1F79F5-7BEC-496A-AFC7-876E38F64D71}" type="datetime1">
               <a:rPr lang="en-US" smtClean="0"/>
-              <a:t>8/11/2017</a:t>
+              <a:t>8/28/2017</a:t>
             </a:fld>
             <a:endParaRPr lang="en-US"/>
           </a:p>
@@ -8057,7 +8331,7 @@
           <a:p>
             <a:fld id="{E22ED4DA-448D-4BB1-B935-CC112220207B}" type="datetime1">
               <a:rPr lang="en-US" smtClean="0"/>
-              <a:t>8/11/2017</a:t>
+              <a:t>8/28/2017</a:t>
             </a:fld>
             <a:endParaRPr lang="en-US"/>
           </a:p>
@@ -8230,7 +8504,7 @@
           <a:p>
             <a:fld id="{E22ED4DA-448D-4BB1-B935-CC112220207B}" type="datetime1">
               <a:rPr lang="en-US" smtClean="0"/>
-              <a:t>8/11/2017</a:t>
+              <a:t>8/28/2017</a:t>
             </a:fld>
             <a:endParaRPr lang="en-US"/>
           </a:p>
@@ -8493,7 +8767,7 @@
           <a:p>
             <a:fld id="{FF5D65A6-AB94-4435-B0B7-3743215FA46C}" type="datetime1">
               <a:rPr lang="en-US" smtClean="0"/>
-              <a:t>8/11/2017</a:t>
+              <a:t>8/28/2017</a:t>
             </a:fld>
             <a:endParaRPr lang="en-US"/>
           </a:p>
@@ -8669,7 +8943,7 @@
           <a:p>
             <a:fld id="{FF5D65A6-AB94-4435-B0B7-3743215FA46C}" type="datetime1">
               <a:rPr lang="en-US" smtClean="0"/>
-              <a:t>8/11/2017</a:t>
+              <a:t>8/28/2017</a:t>
             </a:fld>
             <a:endParaRPr lang="en-US"/>
           </a:p>
@@ -8963,7 +9237,7 @@
           <a:p>
             <a:fld id="{7C193DC4-6EF0-48C9-B29C-616106A645E1}" type="datetime1">
               <a:rPr lang="en-US" smtClean="0"/>
-              <a:t>8/11/2017</a:t>
+              <a:t>8/28/2017</a:t>
             </a:fld>
             <a:endParaRPr lang="en-US"/>
           </a:p>
@@ -9248,7 +9522,7 @@
           <a:p>
             <a:fld id="{5D1846AD-9252-4647-9435-4C2AC365653A}" type="datetime1">
               <a:rPr lang="en-US" smtClean="0"/>
-              <a:t>8/11/2017</a:t>
+              <a:t>8/28/2017</a:t>
             </a:fld>
             <a:endParaRPr lang="en-US"/>
           </a:p>
@@ -9423,7 +9697,7 @@
             <a:fld id="{AF79D0BF-EDA9-4C0D-B5C1-D01FE3C9392D}" type="datetime1">
               <a:rPr lang="en-US" smtClean="0"/>
               <a:pPr/>
-              <a:t>8/11/2017</a:t>
+              <a:t>8/28/2017</a:t>
             </a:fld>
             <a:endParaRPr lang="en-US"/>
           </a:p>
@@ -9718,7 +9992,7 @@
           <a:p>
             <a:fld id="{5D1846AD-9252-4647-9435-4C2AC365653A}" type="datetime1">
               <a:rPr lang="en-US" smtClean="0"/>
-              <a:t>8/11/2017</a:t>
+              <a:t>8/28/2017</a:t>
             </a:fld>
             <a:endParaRPr lang="en-US"/>
           </a:p>
@@ -10137,7 +10411,7 @@
           <a:p>
             <a:fld id="{CE56DC10-3561-4063-A6AF-C1CC7A41040A}" type="datetime1">
               <a:rPr lang="en-US" smtClean="0"/>
-              <a:t>8/11/2017</a:t>
+              <a:t>8/28/2017</a:t>
             </a:fld>
             <a:endParaRPr lang="en-US"/>
           </a:p>
@@ -10254,7 +10528,7 @@
           <a:p>
             <a:fld id="{2F7B77F5-1464-4F6B-92A8-64FC8A508293}" type="datetime1">
               <a:rPr lang="en-US" smtClean="0"/>
-              <a:t>8/11/2017</a:t>
+              <a:t>8/28/2017</a:t>
             </a:fld>
             <a:endParaRPr lang="en-US"/>
           </a:p>
@@ -10349,7 +10623,7 @@
           <a:p>
             <a:fld id="{0A05703A-7669-4FEA-9056-25299B4D29D4}" type="datetime1">
               <a:rPr lang="en-US" smtClean="0"/>
-              <a:t>8/11/2017</a:t>
+              <a:t>8/28/2017</a:t>
             </a:fld>
             <a:endParaRPr lang="en-US"/>
           </a:p>
@@ -10624,7 +10898,7 @@
           <a:p>
             <a:fld id="{6E5077B5-BB57-49DB-88CA-226A139E5C01}" type="datetime1">
               <a:rPr lang="en-US" smtClean="0"/>
-              <a:t>8/11/2017</a:t>
+              <a:t>8/28/2017</a:t>
             </a:fld>
             <a:endParaRPr lang="en-US"/>
           </a:p>
@@ -10876,7 +11150,7 @@
           <a:p>
             <a:fld id="{C48D9447-CBD6-49A1-89FD-8512A8CF8999}" type="datetime1">
               <a:rPr lang="en-US" smtClean="0"/>
-              <a:t>8/11/2017</a:t>
+              <a:t>8/28/2017</a:t>
             </a:fld>
             <a:endParaRPr lang="en-US"/>
           </a:p>
@@ -11044,7 +11318,7 @@
           <a:p>
             <a:fld id="{A3639A2A-823D-48B7-9ACE-7FAF42870BA9}" type="datetime1">
               <a:rPr lang="en-US" smtClean="0"/>
-              <a:t>8/11/2017</a:t>
+              <a:t>8/28/2017</a:t>
             </a:fld>
             <a:endParaRPr lang="en-US"/>
           </a:p>
@@ -11222,7 +11496,7 @@
           <a:p>
             <a:fld id="{ED1B6996-82E9-463C-972C-7B56056E426C}" type="datetime1">
               <a:rPr lang="en-US" smtClean="0"/>
-              <a:t>8/11/2017</a:t>
+              <a:t>8/28/2017</a:t>
             </a:fld>
             <a:endParaRPr lang="en-US"/>
           </a:p>
@@ -11405,7 +11679,7 @@
             <a:fld id="{AF79D0BF-EDA9-4C0D-B5C1-D01FE3C9392D}" type="datetime1">
               <a:rPr lang="en-US" smtClean="0"/>
               <a:pPr/>
-              <a:t>8/11/2017</a:t>
+              <a:t>8/28/2017</a:t>
             </a:fld>
             <a:endParaRPr lang="en-US"/>
           </a:p>
@@ -11652,7 +11926,7 @@
             <a:fld id="{D69015D0-49B0-4059-80BB-AF092C6CC282}" type="datetime1">
               <a:rPr lang="en-US" smtClean="0"/>
               <a:pPr/>
-              <a:t>8/11/2017</a:t>
+              <a:t>8/28/2017</a:t>
             </a:fld>
             <a:endParaRPr lang="en-US"/>
           </a:p>
@@ -11934,7 +12208,7 @@
             <a:fld id="{6CFAE174-28EF-4C23-BFDE-B69E139D8EE0}" type="datetime1">
               <a:rPr lang="en-US" smtClean="0"/>
               <a:pPr/>
-              <a:t>8/11/2017</a:t>
+              <a:t>8/28/2017</a:t>
             </a:fld>
             <a:endParaRPr lang="en-US"/>
           </a:p>
@@ -12350,7 +12624,7 @@
             <a:fld id="{3C4735FC-F3F4-4930-AD2E-C703D7636E65}" type="datetime1">
               <a:rPr lang="en-US" smtClean="0"/>
               <a:pPr/>
-              <a:t>8/11/2017</a:t>
+              <a:t>8/28/2017</a:t>
             </a:fld>
             <a:endParaRPr lang="en-US"/>
           </a:p>
@@ -12464,7 +12738,7 @@
             <a:fld id="{37087D82-BB00-4296-AA4E-C167745A82DE}" type="datetime1">
               <a:rPr lang="en-US" smtClean="0"/>
               <a:pPr/>
-              <a:t>8/11/2017</a:t>
+              <a:t>8/28/2017</a:t>
             </a:fld>
             <a:endParaRPr lang="en-US"/>
           </a:p>
@@ -12556,7 +12830,7 @@
             <a:fld id="{E416393F-B669-482B-BFD6-501DDE1069A2}" type="datetime1">
               <a:rPr lang="en-US" smtClean="0"/>
               <a:pPr/>
-              <a:t>8/11/2017</a:t>
+              <a:t>8/28/2017</a:t>
             </a:fld>
             <a:endParaRPr lang="en-US"/>
           </a:p>
@@ -12828,7 +13102,7 @@
             <a:fld id="{8FFF435E-64AB-44BA-AD31-EDF4E3683DDC}" type="datetime1">
               <a:rPr lang="en-US" smtClean="0"/>
               <a:pPr/>
-              <a:t>8/11/2017</a:t>
+              <a:t>8/28/2017</a:t>
             </a:fld>
             <a:endParaRPr lang="en-US"/>
           </a:p>
@@ -13036,7 +13310,7 @@
             <a:fld id="{9FD4D3D6-E918-4CCA-AF93-9744A928CB26}" type="datetime1">
               <a:rPr lang="en-US" smtClean="0"/>
               <a:pPr/>
-              <a:t>8/11/2017</a:t>
+              <a:t>8/28/2017</a:t>
             </a:fld>
             <a:endParaRPr lang="en-US"/>
           </a:p>
@@ -13554,7 +13828,7 @@
           <a:p>
             <a:fld id="{02B3F677-983B-48DB-ADFD-63FE6CBC7FB2}" type="datetime1">
               <a:rPr lang="en-US" smtClean="0"/>
-              <a:t>8/11/2017</a:t>
+              <a:t>8/28/2017</a:t>
             </a:fld>
             <a:endParaRPr lang="en-US"/>
           </a:p>
@@ -16906,18 +17180,18 @@
           <p:nvPr>
             <p:extLst>
               <p:ext uri="{D42A27DB-BD31-4B8C-83A1-F6EECF244321}">
-                <p14:modId xmlns:p14="http://schemas.microsoft.com/office/powerpoint/2010/main" val="978899263"/>
+                <p14:modId xmlns:p14="http://schemas.microsoft.com/office/powerpoint/2010/main" val="2741905980"/>
               </p:ext>
             </p:extLst>
           </p:nvPr>
         </p:nvGraphicFramePr>
         <p:xfrm>
           <a:off x="1524000" y="1727994"/>
-          <a:ext cx="6096000" cy="4318000"/>
+          <a:ext cx="6096000" cy="4825206"/>
         </p:xfrm>
         <a:graphic>
           <a:graphicData uri="http://schemas.openxmlformats.org/drawingml/2006/diagram">
-            <dgm:relIds xmlns:dgm="http://schemas.openxmlformats.org/drawingml/2006/diagram" xmlns:r="http://schemas.openxmlformats.org/officeDocument/2006/relationships" r:dm="rId2" r:lo="rId3" r:qs="rId4" r:cs="rId5"/>
+            <dgm:relIds xmlns:dgm="http://schemas.openxmlformats.org/drawingml/2006/diagram" xmlns:r="http://schemas.openxmlformats.org/officeDocument/2006/relationships" r:dm="rId3" r:lo="rId4" r:qs="rId5" r:cs="rId6"/>
           </a:graphicData>
         </a:graphic>
       </p:graphicFrame>

--- a/Slides/Lesson 1.1 The Function Design Recipe.pptx
+++ b/Slides/Lesson 1.1 The Function Design Recipe.pptx
@@ -44,41 +44,41 @@
   <p:notesSz cx="6858000" cy="9296400"/>
   <p:embeddedFontLst>
     <p:embeddedFont>
-      <p:font typeface="CMSY10ORIG" panose="020B0604020202020204"/>
+      <p:font typeface="Calibri" panose="020F0502020204030204" pitchFamily="34" charset="0"/>
       <p:regular r:id="rId32"/>
+      <p:bold r:id="rId33"/>
+      <p:italic r:id="rId34"/>
+      <p:boldItalic r:id="rId35"/>
     </p:embeddedFont>
     <p:embeddedFont>
       <p:font typeface="cmmi12" panose="020B0604020202020204"/>
-      <p:regular r:id="rId33"/>
+      <p:regular r:id="rId36"/>
     </p:embeddedFont>
     <p:embeddedFont>
-      <p:font typeface="CMMI10" panose="020B0604020202020204"/>
-      <p:regular r:id="rId34"/>
+      <p:font typeface="CMSY10ORIG" panose="020B0604020202020204"/>
+      <p:regular r:id="rId37"/>
+    </p:embeddedFont>
+    <p:embeddedFont>
+      <p:font typeface="Arial Unicode MS" panose="020B0604020202020204" charset="-128"/>
+      <p:regular r:id="rId38"/>
     </p:embeddedFont>
     <p:embeddedFont>
       <p:font typeface="Cambria Math" panose="02040503050406030204" pitchFamily="18" charset="0"/>
-      <p:regular r:id="rId35"/>
+      <p:regular r:id="rId39"/>
     </p:embeddedFont>
     <p:embeddedFont>
       <p:font typeface="Consolas" panose="020B0609020204030204" pitchFamily="49" charset="0"/>
-      <p:regular r:id="rId36"/>
-      <p:bold r:id="rId37"/>
-      <p:italic r:id="rId38"/>
-      <p:boldItalic r:id="rId39"/>
-    </p:embeddedFont>
-    <p:embeddedFont>
-      <p:font typeface="Calibri" panose="020F0502020204030204" pitchFamily="34" charset="0"/>
       <p:regular r:id="rId40"/>
       <p:bold r:id="rId41"/>
       <p:italic r:id="rId42"/>
       <p:boldItalic r:id="rId43"/>
     </p:embeddedFont>
     <p:embeddedFont>
-      <p:font typeface="Arial Unicode MS" panose="020B0604020202020204" pitchFamily="34" charset="-128"/>
+      <p:font typeface="CMR10" panose="020B0604020202020204"/>
       <p:regular r:id="rId44"/>
     </p:embeddedFont>
     <p:embeddedFont>
-      <p:font typeface="CMR10" panose="020B0604020202020204"/>
+      <p:font typeface="CMMI10" panose="020B0604020202020204"/>
       <p:regular r:id="rId45"/>
     </p:embeddedFont>
   </p:embeddedFontLst>
@@ -4949,7 +4949,7 @@
             <a:fld id="{F428509D-A83E-4130-9123-C9B4F5E9EE37}" type="datetimeFigureOut">
               <a:rPr lang="en-US" smtClean="0"/>
               <a:pPr/>
-              <a:t>8/11/2017</a:t>
+              <a:t>9/17/2017</a:t>
             </a:fld>
             <a:endParaRPr lang="en-US"/>
           </a:p>
@@ -5116,7 +5116,7 @@
             <a:fld id="{ACC16E80-119B-43B5-8043-B652C91D44CD}" type="datetimeFigureOut">
               <a:rPr lang="en-US" smtClean="0"/>
               <a:pPr/>
-              <a:t>8/11/2017</a:t>
+              <a:t>9/17/2017</a:t>
             </a:fld>
             <a:endParaRPr lang="en-US"/>
           </a:p>
@@ -7058,7 +7058,7 @@
             <a:fld id="{995A3EAA-2ADF-4730-8F37-D322F0FCA6F7}" type="datetime1">
               <a:rPr lang="en-US" smtClean="0"/>
               <a:pPr/>
-              <a:t>8/11/2017</a:t>
+              <a:t>9/17/2017</a:t>
             </a:fld>
             <a:endParaRPr lang="en-US"/>
           </a:p>
@@ -7307,7 +7307,7 @@
             <a:fld id="{9A46249C-EA92-4608-8FCA-65260396BA27}" type="datetime1">
               <a:rPr lang="en-US" smtClean="0"/>
               <a:pPr/>
-              <a:t>8/11/2017</a:t>
+              <a:t>9/17/2017</a:t>
             </a:fld>
             <a:endParaRPr lang="en-US"/>
           </a:p>
@@ -7472,7 +7472,7 @@
             <a:fld id="{E98573EB-F81F-45A8-8502-B7F241F6310C}" type="datetime1">
               <a:rPr lang="en-US" smtClean="0"/>
               <a:pPr/>
-              <a:t>8/11/2017</a:t>
+              <a:t>9/17/2017</a:t>
             </a:fld>
             <a:endParaRPr lang="en-US"/>
           </a:p>
@@ -7647,7 +7647,7 @@
             <a:fld id="{D3B68F27-4D23-4B43-9126-090EEA2632D9}" type="datetime1">
               <a:rPr lang="en-US" smtClean="0"/>
               <a:pPr/>
-              <a:t>8/11/2017</a:t>
+              <a:t>9/17/2017</a:t>
             </a:fld>
             <a:endParaRPr lang="en-US"/>
           </a:p>
@@ -7883,7 +7883,7 @@
           <a:p>
             <a:fld id="{2F1F79F5-7BEC-496A-AFC7-876E38F64D71}" type="datetime1">
               <a:rPr lang="en-US" smtClean="0"/>
-              <a:t>8/11/2017</a:t>
+              <a:t>9/17/2017</a:t>
             </a:fld>
             <a:endParaRPr lang="en-US"/>
           </a:p>
@@ -8057,7 +8057,7 @@
           <a:p>
             <a:fld id="{E22ED4DA-448D-4BB1-B935-CC112220207B}" type="datetime1">
               <a:rPr lang="en-US" smtClean="0"/>
-              <a:t>8/11/2017</a:t>
+              <a:t>9/17/2017</a:t>
             </a:fld>
             <a:endParaRPr lang="en-US"/>
           </a:p>
@@ -8230,7 +8230,7 @@
           <a:p>
             <a:fld id="{E22ED4DA-448D-4BB1-B935-CC112220207B}" type="datetime1">
               <a:rPr lang="en-US" smtClean="0"/>
-              <a:t>8/11/2017</a:t>
+              <a:t>9/17/2017</a:t>
             </a:fld>
             <a:endParaRPr lang="en-US"/>
           </a:p>
@@ -8493,7 +8493,7 @@
           <a:p>
             <a:fld id="{FF5D65A6-AB94-4435-B0B7-3743215FA46C}" type="datetime1">
               <a:rPr lang="en-US" smtClean="0"/>
-              <a:t>8/11/2017</a:t>
+              <a:t>9/17/2017</a:t>
             </a:fld>
             <a:endParaRPr lang="en-US"/>
           </a:p>
@@ -8669,7 +8669,7 @@
           <a:p>
             <a:fld id="{FF5D65A6-AB94-4435-B0B7-3743215FA46C}" type="datetime1">
               <a:rPr lang="en-US" smtClean="0"/>
-              <a:t>8/11/2017</a:t>
+              <a:t>9/17/2017</a:t>
             </a:fld>
             <a:endParaRPr lang="en-US"/>
           </a:p>
@@ -8963,7 +8963,7 @@
           <a:p>
             <a:fld id="{7C193DC4-6EF0-48C9-B29C-616106A645E1}" type="datetime1">
               <a:rPr lang="en-US" smtClean="0"/>
-              <a:t>8/11/2017</a:t>
+              <a:t>9/17/2017</a:t>
             </a:fld>
             <a:endParaRPr lang="en-US"/>
           </a:p>
@@ -9248,7 +9248,7 @@
           <a:p>
             <a:fld id="{5D1846AD-9252-4647-9435-4C2AC365653A}" type="datetime1">
               <a:rPr lang="en-US" smtClean="0"/>
-              <a:t>8/11/2017</a:t>
+              <a:t>9/17/2017</a:t>
             </a:fld>
             <a:endParaRPr lang="en-US"/>
           </a:p>
@@ -9423,7 +9423,7 @@
             <a:fld id="{AF79D0BF-EDA9-4C0D-B5C1-D01FE3C9392D}" type="datetime1">
               <a:rPr lang="en-US" smtClean="0"/>
               <a:pPr/>
-              <a:t>8/11/2017</a:t>
+              <a:t>9/17/2017</a:t>
             </a:fld>
             <a:endParaRPr lang="en-US"/>
           </a:p>
@@ -9718,7 +9718,7 @@
           <a:p>
             <a:fld id="{5D1846AD-9252-4647-9435-4C2AC365653A}" type="datetime1">
               <a:rPr lang="en-US" smtClean="0"/>
-              <a:t>8/11/2017</a:t>
+              <a:t>9/17/2017</a:t>
             </a:fld>
             <a:endParaRPr lang="en-US"/>
           </a:p>
@@ -10137,7 +10137,7 @@
           <a:p>
             <a:fld id="{CE56DC10-3561-4063-A6AF-C1CC7A41040A}" type="datetime1">
               <a:rPr lang="en-US" smtClean="0"/>
-              <a:t>8/11/2017</a:t>
+              <a:t>9/17/2017</a:t>
             </a:fld>
             <a:endParaRPr lang="en-US"/>
           </a:p>
@@ -10254,7 +10254,7 @@
           <a:p>
             <a:fld id="{2F7B77F5-1464-4F6B-92A8-64FC8A508293}" type="datetime1">
               <a:rPr lang="en-US" smtClean="0"/>
-              <a:t>8/11/2017</a:t>
+              <a:t>9/17/2017</a:t>
             </a:fld>
             <a:endParaRPr lang="en-US"/>
           </a:p>
@@ -10349,7 +10349,7 @@
           <a:p>
             <a:fld id="{0A05703A-7669-4FEA-9056-25299B4D29D4}" type="datetime1">
               <a:rPr lang="en-US" smtClean="0"/>
-              <a:t>8/11/2017</a:t>
+              <a:t>9/17/2017</a:t>
             </a:fld>
             <a:endParaRPr lang="en-US"/>
           </a:p>
@@ -10624,7 +10624,7 @@
           <a:p>
             <a:fld id="{6E5077B5-BB57-49DB-88CA-226A139E5C01}" type="datetime1">
               <a:rPr lang="en-US" smtClean="0"/>
-              <a:t>8/11/2017</a:t>
+              <a:t>9/17/2017</a:t>
             </a:fld>
             <a:endParaRPr lang="en-US"/>
           </a:p>
@@ -10876,7 +10876,7 @@
           <a:p>
             <a:fld id="{C48D9447-CBD6-49A1-89FD-8512A8CF8999}" type="datetime1">
               <a:rPr lang="en-US" smtClean="0"/>
-              <a:t>8/11/2017</a:t>
+              <a:t>9/17/2017</a:t>
             </a:fld>
             <a:endParaRPr lang="en-US"/>
           </a:p>
@@ -11044,7 +11044,7 @@
           <a:p>
             <a:fld id="{A3639A2A-823D-48B7-9ACE-7FAF42870BA9}" type="datetime1">
               <a:rPr lang="en-US" smtClean="0"/>
-              <a:t>8/11/2017</a:t>
+              <a:t>9/17/2017</a:t>
             </a:fld>
             <a:endParaRPr lang="en-US"/>
           </a:p>
@@ -11222,7 +11222,7 @@
           <a:p>
             <a:fld id="{ED1B6996-82E9-463C-972C-7B56056E426C}" type="datetime1">
               <a:rPr lang="en-US" smtClean="0"/>
-              <a:t>8/11/2017</a:t>
+              <a:t>9/17/2017</a:t>
             </a:fld>
             <a:endParaRPr lang="en-US"/>
           </a:p>
@@ -11405,7 +11405,7 @@
             <a:fld id="{AF79D0BF-EDA9-4C0D-B5C1-D01FE3C9392D}" type="datetime1">
               <a:rPr lang="en-US" smtClean="0"/>
               <a:pPr/>
-              <a:t>8/11/2017</a:t>
+              <a:t>9/17/2017</a:t>
             </a:fld>
             <a:endParaRPr lang="en-US"/>
           </a:p>
@@ -11652,7 +11652,7 @@
             <a:fld id="{D69015D0-49B0-4059-80BB-AF092C6CC282}" type="datetime1">
               <a:rPr lang="en-US" smtClean="0"/>
               <a:pPr/>
-              <a:t>8/11/2017</a:t>
+              <a:t>9/17/2017</a:t>
             </a:fld>
             <a:endParaRPr lang="en-US"/>
           </a:p>
@@ -11934,7 +11934,7 @@
             <a:fld id="{6CFAE174-28EF-4C23-BFDE-B69E139D8EE0}" type="datetime1">
               <a:rPr lang="en-US" smtClean="0"/>
               <a:pPr/>
-              <a:t>8/11/2017</a:t>
+              <a:t>9/17/2017</a:t>
             </a:fld>
             <a:endParaRPr lang="en-US"/>
           </a:p>
@@ -12350,7 +12350,7 @@
             <a:fld id="{3C4735FC-F3F4-4930-AD2E-C703D7636E65}" type="datetime1">
               <a:rPr lang="en-US" smtClean="0"/>
               <a:pPr/>
-              <a:t>8/11/2017</a:t>
+              <a:t>9/17/2017</a:t>
             </a:fld>
             <a:endParaRPr lang="en-US"/>
           </a:p>
@@ -12464,7 +12464,7 @@
             <a:fld id="{37087D82-BB00-4296-AA4E-C167745A82DE}" type="datetime1">
               <a:rPr lang="en-US" smtClean="0"/>
               <a:pPr/>
-              <a:t>8/11/2017</a:t>
+              <a:t>9/17/2017</a:t>
             </a:fld>
             <a:endParaRPr lang="en-US"/>
           </a:p>
@@ -12556,7 +12556,7 @@
             <a:fld id="{E416393F-B669-482B-BFD6-501DDE1069A2}" type="datetime1">
               <a:rPr lang="en-US" smtClean="0"/>
               <a:pPr/>
-              <a:t>8/11/2017</a:t>
+              <a:t>9/17/2017</a:t>
             </a:fld>
             <a:endParaRPr lang="en-US"/>
           </a:p>
@@ -12828,7 +12828,7 @@
             <a:fld id="{8FFF435E-64AB-44BA-AD31-EDF4E3683DDC}" type="datetime1">
               <a:rPr lang="en-US" smtClean="0"/>
               <a:pPr/>
-              <a:t>8/11/2017</a:t>
+              <a:t>9/17/2017</a:t>
             </a:fld>
             <a:endParaRPr lang="en-US"/>
           </a:p>
@@ -13036,7 +13036,7 @@
             <a:fld id="{9FD4D3D6-E918-4CCA-AF93-9744A928CB26}" type="datetime1">
               <a:rPr lang="en-US" smtClean="0"/>
               <a:pPr/>
-              <a:t>8/11/2017</a:t>
+              <a:t>9/17/2017</a:t>
             </a:fld>
             <a:endParaRPr lang="en-US"/>
           </a:p>
@@ -13554,7 +13554,7 @@
           <a:p>
             <a:fld id="{02B3F677-983B-48DB-ADFD-63FE6CBC7FB2}" type="datetime1">
               <a:rPr lang="en-US" smtClean="0"/>
-              <a:t>8/11/2017</a:t>
+              <a:t>9/17/2017</a:t>
             </a:fld>
             <a:endParaRPr lang="en-US"/>
           </a:p>
@@ -16170,7 +16170,7 @@
             </a:r>
             <a:r>
               <a:rPr lang="en-US" sz="2400" dirty="0" err="1"/>
-              <a:t>FarenTemp</a:t>
+              <a:t>FahrenTemp</a:t>
             </a:r>
             <a:r>
               <a:rPr lang="en-US" sz="2400" dirty="0"/>
@@ -16207,7 +16207,7 @@
             </a:r>
             <a:r>
               <a:rPr lang="en-US" sz="2400" dirty="0" err="1"/>
-              <a:t>FarenTemp</a:t>
+              <a:t>FahrenTemp</a:t>
             </a:r>
             <a:r>
               <a:rPr lang="en-US" sz="2400" dirty="0"/>
@@ -16233,12 +16233,8 @@
           </a:p>
           <a:p>
             <a:r>
-              <a:rPr lang="en-US" sz="2400"/>
-              <a:t>;;   surface </a:t>
-            </a:r>
-            <a:r>
               <a:rPr lang="en-US" sz="2400" dirty="0"/>
-              <a:t>of Mars, in Celsius</a:t>
+              <a:t>;;   surface of Mars, in Celsius</a:t>
             </a:r>
           </a:p>
         </p:txBody>
@@ -19473,7 +19469,7 @@
             </a:r>
             <a:r>
               <a:rPr lang="en-US" dirty="0" err="1"/>
-              <a:t>FarenTemp</a:t>
+              <a:t>FahrenTemp</a:t>
             </a:r>
             <a:r>
               <a:rPr lang="en-US" dirty="0"/>
@@ -19504,7 +19500,7 @@
             </a:r>
             <a:r>
               <a:rPr lang="en-US" dirty="0" err="1"/>
-              <a:t>FarenTemp</a:t>
+              <a:t>FahrenTemp</a:t>
             </a:r>
             <a:r>
               <a:rPr lang="en-US" dirty="0"/>
